--- a/images/metaTracts.pptx
+++ b/images/metaTracts.pptx
@@ -4,17 +4,20 @@
   <p:sldMasterIdLst>
     <p:sldMasterId id="2147483648" r:id="rId1"/>
   </p:sldMasterIdLst>
+  <p:notesMasterIdLst>
+    <p:notesMasterId r:id="rId3"/>
+  </p:notesMasterIdLst>
   <p:sldIdLst>
     <p:sldId id="256" r:id="rId2"/>
   </p:sldIdLst>
-  <p:sldSz cx="16916400" cy="5029200"/>
+  <p:sldSz cx="16459200" cy="4572000"/>
   <p:notesSz cx="6858000" cy="9144000"/>
   <p:defaultTextStyle>
     <a:defPPr>
       <a:defRPr lang="en-US"/>
     </a:defPPr>
-    <a:lvl1pPr marL="0" algn="l" defTabSz="1210483" rtl="0" eaLnBrk="1" latinLnBrk="0" hangingPunct="1">
-      <a:defRPr sz="2400" kern="1200">
+    <a:lvl1pPr marL="0" algn="l" defTabSz="1573628" rtl="0" eaLnBrk="1" latinLnBrk="0" hangingPunct="1">
+      <a:defRPr sz="3100" kern="1200">
         <a:solidFill>
           <a:schemeClr val="tx1"/>
         </a:solidFill>
@@ -23,8 +26,8 @@
         <a:cs typeface="+mn-cs"/>
       </a:defRPr>
     </a:lvl1pPr>
-    <a:lvl2pPr marL="605241" algn="l" defTabSz="1210483" rtl="0" eaLnBrk="1" latinLnBrk="0" hangingPunct="1">
-      <a:defRPr sz="2400" kern="1200">
+    <a:lvl2pPr marL="786813" algn="l" defTabSz="1573628" rtl="0" eaLnBrk="1" latinLnBrk="0" hangingPunct="1">
+      <a:defRPr sz="3100" kern="1200">
         <a:solidFill>
           <a:schemeClr val="tx1"/>
         </a:solidFill>
@@ -33,8 +36,8 @@
         <a:cs typeface="+mn-cs"/>
       </a:defRPr>
     </a:lvl2pPr>
-    <a:lvl3pPr marL="1210483" algn="l" defTabSz="1210483" rtl="0" eaLnBrk="1" latinLnBrk="0" hangingPunct="1">
-      <a:defRPr sz="2400" kern="1200">
+    <a:lvl3pPr marL="1573628" algn="l" defTabSz="1573628" rtl="0" eaLnBrk="1" latinLnBrk="0" hangingPunct="1">
+      <a:defRPr sz="3100" kern="1200">
         <a:solidFill>
           <a:schemeClr val="tx1"/>
         </a:solidFill>
@@ -43,8 +46,8 @@
         <a:cs typeface="+mn-cs"/>
       </a:defRPr>
     </a:lvl3pPr>
-    <a:lvl4pPr marL="1815724" algn="l" defTabSz="1210483" rtl="0" eaLnBrk="1" latinLnBrk="0" hangingPunct="1">
-      <a:defRPr sz="2400" kern="1200">
+    <a:lvl4pPr marL="2360441" algn="l" defTabSz="1573628" rtl="0" eaLnBrk="1" latinLnBrk="0" hangingPunct="1">
+      <a:defRPr sz="3100" kern="1200">
         <a:solidFill>
           <a:schemeClr val="tx1"/>
         </a:solidFill>
@@ -53,8 +56,8 @@
         <a:cs typeface="+mn-cs"/>
       </a:defRPr>
     </a:lvl4pPr>
-    <a:lvl5pPr marL="2420965" algn="l" defTabSz="1210483" rtl="0" eaLnBrk="1" latinLnBrk="0" hangingPunct="1">
-      <a:defRPr sz="2400" kern="1200">
+    <a:lvl5pPr marL="3147255" algn="l" defTabSz="1573628" rtl="0" eaLnBrk="1" latinLnBrk="0" hangingPunct="1">
+      <a:defRPr sz="3100" kern="1200">
         <a:solidFill>
           <a:schemeClr val="tx1"/>
         </a:solidFill>
@@ -63,8 +66,8 @@
         <a:cs typeface="+mn-cs"/>
       </a:defRPr>
     </a:lvl5pPr>
-    <a:lvl6pPr marL="3026207" algn="l" defTabSz="1210483" rtl="0" eaLnBrk="1" latinLnBrk="0" hangingPunct="1">
-      <a:defRPr sz="2400" kern="1200">
+    <a:lvl6pPr marL="3934069" algn="l" defTabSz="1573628" rtl="0" eaLnBrk="1" latinLnBrk="0" hangingPunct="1">
+      <a:defRPr sz="3100" kern="1200">
         <a:solidFill>
           <a:schemeClr val="tx1"/>
         </a:solidFill>
@@ -73,8 +76,8 @@
         <a:cs typeface="+mn-cs"/>
       </a:defRPr>
     </a:lvl6pPr>
-    <a:lvl7pPr marL="3631448" algn="l" defTabSz="1210483" rtl="0" eaLnBrk="1" latinLnBrk="0" hangingPunct="1">
-      <a:defRPr sz="2400" kern="1200">
+    <a:lvl7pPr marL="4720882" algn="l" defTabSz="1573628" rtl="0" eaLnBrk="1" latinLnBrk="0" hangingPunct="1">
+      <a:defRPr sz="3100" kern="1200">
         <a:solidFill>
           <a:schemeClr val="tx1"/>
         </a:solidFill>
@@ -83,8 +86,8 @@
         <a:cs typeface="+mn-cs"/>
       </a:defRPr>
     </a:lvl7pPr>
-    <a:lvl8pPr marL="4236690" algn="l" defTabSz="1210483" rtl="0" eaLnBrk="1" latinLnBrk="0" hangingPunct="1">
-      <a:defRPr sz="2400" kern="1200">
+    <a:lvl8pPr marL="5507697" algn="l" defTabSz="1573628" rtl="0" eaLnBrk="1" latinLnBrk="0" hangingPunct="1">
+      <a:defRPr sz="3100" kern="1200">
         <a:solidFill>
           <a:schemeClr val="tx1"/>
         </a:solidFill>
@@ -93,8 +96,8 @@
         <a:cs typeface="+mn-cs"/>
       </a:defRPr>
     </a:lvl8pPr>
-    <a:lvl9pPr marL="4841931" algn="l" defTabSz="1210483" rtl="0" eaLnBrk="1" latinLnBrk="0" hangingPunct="1">
-      <a:defRPr sz="2400" kern="1200">
+    <a:lvl9pPr marL="6294510" algn="l" defTabSz="1573628" rtl="0" eaLnBrk="1" latinLnBrk="0" hangingPunct="1">
+      <a:defRPr sz="3100" kern="1200">
         <a:solidFill>
           <a:schemeClr val="tx1"/>
         </a:solidFill>
@@ -105,6 +108,440 @@
     </a:lvl9pPr>
   </p:defaultTextStyle>
 </p:presentation>
+</file>
+
+<file path=ppt/notesMasters/notesMaster1.xml><?xml version="1.0" encoding="utf-8"?>
+<p:notesMaster xmlns:a="http://schemas.openxmlformats.org/drawingml/2006/main" xmlns:r="http://schemas.openxmlformats.org/officeDocument/2006/relationships" xmlns:p="http://schemas.openxmlformats.org/presentationml/2006/main">
+  <p:cSld>
+    <p:bg>
+      <p:bgRef idx="1001">
+        <a:schemeClr val="bg1"/>
+      </p:bgRef>
+    </p:bg>
+    <p:spTree>
+      <p:nvGrpSpPr>
+        <p:cNvPr id="1" name=""/>
+        <p:cNvGrpSpPr/>
+        <p:nvPr/>
+      </p:nvGrpSpPr>
+      <p:grpSpPr>
+        <a:xfrm>
+          <a:off x="0" y="0"/>
+          <a:ext cx="0" cy="0"/>
+          <a:chOff x="0" y="0"/>
+          <a:chExt cx="0" cy="0"/>
+        </a:xfrm>
+      </p:grpSpPr>
+      <p:sp>
+        <p:nvSpPr>
+          <p:cNvPr id="2" name="Header Placeholder 1"/>
+          <p:cNvSpPr>
+            <a:spLocks noGrp="1"/>
+          </p:cNvSpPr>
+          <p:nvPr>
+            <p:ph type="hdr" sz="quarter"/>
+          </p:nvPr>
+        </p:nvSpPr>
+        <p:spPr>
+          <a:xfrm>
+            <a:off x="0" y="0"/>
+            <a:ext cx="2971800" cy="457200"/>
+          </a:xfrm>
+          <a:prstGeom prst="rect">
+            <a:avLst/>
+          </a:prstGeom>
+        </p:spPr>
+        <p:txBody>
+          <a:bodyPr vert="horz" lIns="91440" tIns="45720" rIns="91440" bIns="45720" rtlCol="0"/>
+          <a:lstStyle>
+            <a:lvl1pPr algn="l">
+              <a:defRPr sz="1200"/>
+            </a:lvl1pPr>
+          </a:lstStyle>
+          <a:p>
+            <a:endParaRPr lang="en-US"/>
+          </a:p>
+        </p:txBody>
+      </p:sp>
+      <p:sp>
+        <p:nvSpPr>
+          <p:cNvPr id="3" name="Date Placeholder 2"/>
+          <p:cNvSpPr>
+            <a:spLocks noGrp="1"/>
+          </p:cNvSpPr>
+          <p:nvPr>
+            <p:ph type="dt" idx="1"/>
+          </p:nvPr>
+        </p:nvSpPr>
+        <p:spPr>
+          <a:xfrm>
+            <a:off x="3884613" y="0"/>
+            <a:ext cx="2971800" cy="457200"/>
+          </a:xfrm>
+          <a:prstGeom prst="rect">
+            <a:avLst/>
+          </a:prstGeom>
+        </p:spPr>
+        <p:txBody>
+          <a:bodyPr vert="horz" lIns="91440" tIns="45720" rIns="91440" bIns="45720" rtlCol="0"/>
+          <a:lstStyle>
+            <a:lvl1pPr algn="r">
+              <a:defRPr sz="1200"/>
+            </a:lvl1pPr>
+          </a:lstStyle>
+          <a:p>
+            <a:fld id="{56C861FA-61B2-4F24-B6B9-342F70777D42}" type="datetimeFigureOut">
+              <a:rPr lang="en-US" smtClean="0"/>
+              <a:t>6/15/2015</a:t>
+            </a:fld>
+            <a:endParaRPr lang="en-US"/>
+          </a:p>
+        </p:txBody>
+      </p:sp>
+      <p:sp>
+        <p:nvSpPr>
+          <p:cNvPr id="4" name="Slide Image Placeholder 3"/>
+          <p:cNvSpPr>
+            <a:spLocks noGrp="1" noRot="1" noChangeAspect="1"/>
+          </p:cNvSpPr>
+          <p:nvPr>
+            <p:ph type="sldImg" idx="2"/>
+          </p:nvPr>
+        </p:nvSpPr>
+        <p:spPr>
+          <a:xfrm>
+            <a:off x="-2743200" y="685800"/>
+            <a:ext cx="12344400" cy="3429000"/>
+          </a:xfrm>
+          <a:prstGeom prst="rect">
+            <a:avLst/>
+          </a:prstGeom>
+          <a:noFill/>
+          <a:ln w="12700">
+            <a:solidFill>
+              <a:prstClr val="black"/>
+            </a:solidFill>
+          </a:ln>
+        </p:spPr>
+        <p:txBody>
+          <a:bodyPr vert="horz" lIns="91440" tIns="45720" rIns="91440" bIns="45720" rtlCol="0" anchor="ctr"/>
+          <a:lstStyle/>
+          <a:p>
+            <a:endParaRPr lang="en-US"/>
+          </a:p>
+        </p:txBody>
+      </p:sp>
+      <p:sp>
+        <p:nvSpPr>
+          <p:cNvPr id="5" name="Notes Placeholder 4"/>
+          <p:cNvSpPr>
+            <a:spLocks noGrp="1"/>
+          </p:cNvSpPr>
+          <p:nvPr>
+            <p:ph type="body" sz="quarter" idx="3"/>
+          </p:nvPr>
+        </p:nvSpPr>
+        <p:spPr>
+          <a:xfrm>
+            <a:off x="685800" y="4343400"/>
+            <a:ext cx="5486400" cy="4114800"/>
+          </a:xfrm>
+          <a:prstGeom prst="rect">
+            <a:avLst/>
+          </a:prstGeom>
+        </p:spPr>
+        <p:txBody>
+          <a:bodyPr vert="horz" lIns="91440" tIns="45720" rIns="91440" bIns="45720" rtlCol="0"/>
+          <a:lstStyle/>
+          <a:p>
+            <a:pPr lvl="0"/>
+            <a:r>
+              <a:rPr lang="en-US" smtClean="0"/>
+              <a:t>Click to edit Master text styles</a:t>
+            </a:r>
+          </a:p>
+          <a:p>
+            <a:pPr lvl="1"/>
+            <a:r>
+              <a:rPr lang="en-US" smtClean="0"/>
+              <a:t>Second level</a:t>
+            </a:r>
+          </a:p>
+          <a:p>
+            <a:pPr lvl="2"/>
+            <a:r>
+              <a:rPr lang="en-US" smtClean="0"/>
+              <a:t>Third level</a:t>
+            </a:r>
+          </a:p>
+          <a:p>
+            <a:pPr lvl="3"/>
+            <a:r>
+              <a:rPr lang="en-US" smtClean="0"/>
+              <a:t>Fourth level</a:t>
+            </a:r>
+          </a:p>
+          <a:p>
+            <a:pPr lvl="4"/>
+            <a:r>
+              <a:rPr lang="en-US" smtClean="0"/>
+              <a:t>Fifth level</a:t>
+            </a:r>
+            <a:endParaRPr lang="en-US"/>
+          </a:p>
+        </p:txBody>
+      </p:sp>
+      <p:sp>
+        <p:nvSpPr>
+          <p:cNvPr id="6" name="Footer Placeholder 5"/>
+          <p:cNvSpPr>
+            <a:spLocks noGrp="1"/>
+          </p:cNvSpPr>
+          <p:nvPr>
+            <p:ph type="ftr" sz="quarter" idx="4"/>
+          </p:nvPr>
+        </p:nvSpPr>
+        <p:spPr>
+          <a:xfrm>
+            <a:off x="0" y="8685213"/>
+            <a:ext cx="2971800" cy="457200"/>
+          </a:xfrm>
+          <a:prstGeom prst="rect">
+            <a:avLst/>
+          </a:prstGeom>
+        </p:spPr>
+        <p:txBody>
+          <a:bodyPr vert="horz" lIns="91440" tIns="45720" rIns="91440" bIns="45720" rtlCol="0" anchor="b"/>
+          <a:lstStyle>
+            <a:lvl1pPr algn="l">
+              <a:defRPr sz="1200"/>
+            </a:lvl1pPr>
+          </a:lstStyle>
+          <a:p>
+            <a:endParaRPr lang="en-US"/>
+          </a:p>
+        </p:txBody>
+      </p:sp>
+      <p:sp>
+        <p:nvSpPr>
+          <p:cNvPr id="7" name="Slide Number Placeholder 6"/>
+          <p:cNvSpPr>
+            <a:spLocks noGrp="1"/>
+          </p:cNvSpPr>
+          <p:nvPr>
+            <p:ph type="sldNum" sz="quarter" idx="5"/>
+          </p:nvPr>
+        </p:nvSpPr>
+        <p:spPr>
+          <a:xfrm>
+            <a:off x="3884613" y="8685213"/>
+            <a:ext cx="2971800" cy="457200"/>
+          </a:xfrm>
+          <a:prstGeom prst="rect">
+            <a:avLst/>
+          </a:prstGeom>
+        </p:spPr>
+        <p:txBody>
+          <a:bodyPr vert="horz" lIns="91440" tIns="45720" rIns="91440" bIns="45720" rtlCol="0" anchor="b"/>
+          <a:lstStyle>
+            <a:lvl1pPr algn="r">
+              <a:defRPr sz="1200"/>
+            </a:lvl1pPr>
+          </a:lstStyle>
+          <a:p>
+            <a:fld id="{D8D2869B-1468-45B5-BC1B-0F621F33782D}" type="slidenum">
+              <a:rPr lang="en-US" smtClean="0"/>
+              <a:t>‹#›</a:t>
+            </a:fld>
+            <a:endParaRPr lang="en-US"/>
+          </a:p>
+        </p:txBody>
+      </p:sp>
+    </p:spTree>
+    <p:extLst>
+      <p:ext uri="{BB962C8B-B14F-4D97-AF65-F5344CB8AC3E}">
+        <p14:creationId xmlns:p14="http://schemas.microsoft.com/office/powerpoint/2010/main" val="2830699021"/>
+      </p:ext>
+    </p:extLst>
+  </p:cSld>
+  <p:clrMap bg1="lt1" tx1="dk1" bg2="lt2" tx2="dk2" accent1="accent1" accent2="accent2" accent3="accent3" accent4="accent4" accent5="accent5" accent6="accent6" hlink="hlink" folHlink="folHlink"/>
+  <p:notesStyle>
+    <a:lvl1pPr marL="0" algn="l" defTabSz="1188720" rtl="0" eaLnBrk="1" latinLnBrk="0" hangingPunct="1">
+      <a:defRPr sz="1600" kern="1200">
+        <a:solidFill>
+          <a:schemeClr val="tx1"/>
+        </a:solidFill>
+        <a:latin typeface="+mn-lt"/>
+        <a:ea typeface="+mn-ea"/>
+        <a:cs typeface="+mn-cs"/>
+      </a:defRPr>
+    </a:lvl1pPr>
+    <a:lvl2pPr marL="594360" algn="l" defTabSz="1188720" rtl="0" eaLnBrk="1" latinLnBrk="0" hangingPunct="1">
+      <a:defRPr sz="1600" kern="1200">
+        <a:solidFill>
+          <a:schemeClr val="tx1"/>
+        </a:solidFill>
+        <a:latin typeface="+mn-lt"/>
+        <a:ea typeface="+mn-ea"/>
+        <a:cs typeface="+mn-cs"/>
+      </a:defRPr>
+    </a:lvl2pPr>
+    <a:lvl3pPr marL="1188720" algn="l" defTabSz="1188720" rtl="0" eaLnBrk="1" latinLnBrk="0" hangingPunct="1">
+      <a:defRPr sz="1600" kern="1200">
+        <a:solidFill>
+          <a:schemeClr val="tx1"/>
+        </a:solidFill>
+        <a:latin typeface="+mn-lt"/>
+        <a:ea typeface="+mn-ea"/>
+        <a:cs typeface="+mn-cs"/>
+      </a:defRPr>
+    </a:lvl3pPr>
+    <a:lvl4pPr marL="1783080" algn="l" defTabSz="1188720" rtl="0" eaLnBrk="1" latinLnBrk="0" hangingPunct="1">
+      <a:defRPr sz="1600" kern="1200">
+        <a:solidFill>
+          <a:schemeClr val="tx1"/>
+        </a:solidFill>
+        <a:latin typeface="+mn-lt"/>
+        <a:ea typeface="+mn-ea"/>
+        <a:cs typeface="+mn-cs"/>
+      </a:defRPr>
+    </a:lvl4pPr>
+    <a:lvl5pPr marL="2377440" algn="l" defTabSz="1188720" rtl="0" eaLnBrk="1" latinLnBrk="0" hangingPunct="1">
+      <a:defRPr sz="1600" kern="1200">
+        <a:solidFill>
+          <a:schemeClr val="tx1"/>
+        </a:solidFill>
+        <a:latin typeface="+mn-lt"/>
+        <a:ea typeface="+mn-ea"/>
+        <a:cs typeface="+mn-cs"/>
+      </a:defRPr>
+    </a:lvl5pPr>
+    <a:lvl6pPr marL="2971800" algn="l" defTabSz="1188720" rtl="0" eaLnBrk="1" latinLnBrk="0" hangingPunct="1">
+      <a:defRPr sz="1600" kern="1200">
+        <a:solidFill>
+          <a:schemeClr val="tx1"/>
+        </a:solidFill>
+        <a:latin typeface="+mn-lt"/>
+        <a:ea typeface="+mn-ea"/>
+        <a:cs typeface="+mn-cs"/>
+      </a:defRPr>
+    </a:lvl6pPr>
+    <a:lvl7pPr marL="3566160" algn="l" defTabSz="1188720" rtl="0" eaLnBrk="1" latinLnBrk="0" hangingPunct="1">
+      <a:defRPr sz="1600" kern="1200">
+        <a:solidFill>
+          <a:schemeClr val="tx1"/>
+        </a:solidFill>
+        <a:latin typeface="+mn-lt"/>
+        <a:ea typeface="+mn-ea"/>
+        <a:cs typeface="+mn-cs"/>
+      </a:defRPr>
+    </a:lvl7pPr>
+    <a:lvl8pPr marL="4160520" algn="l" defTabSz="1188720" rtl="0" eaLnBrk="1" latinLnBrk="0" hangingPunct="1">
+      <a:defRPr sz="1600" kern="1200">
+        <a:solidFill>
+          <a:schemeClr val="tx1"/>
+        </a:solidFill>
+        <a:latin typeface="+mn-lt"/>
+        <a:ea typeface="+mn-ea"/>
+        <a:cs typeface="+mn-cs"/>
+      </a:defRPr>
+    </a:lvl8pPr>
+    <a:lvl9pPr marL="4754880" algn="l" defTabSz="1188720" rtl="0" eaLnBrk="1" latinLnBrk="0" hangingPunct="1">
+      <a:defRPr sz="1600" kern="1200">
+        <a:solidFill>
+          <a:schemeClr val="tx1"/>
+        </a:solidFill>
+        <a:latin typeface="+mn-lt"/>
+        <a:ea typeface="+mn-ea"/>
+        <a:cs typeface="+mn-cs"/>
+      </a:defRPr>
+    </a:lvl9pPr>
+  </p:notesStyle>
+</p:notesMaster>
+</file>
+
+<file path=ppt/notesSlides/notesSlide1.xml><?xml version="1.0" encoding="utf-8"?>
+<p:notes xmlns:a="http://schemas.openxmlformats.org/drawingml/2006/main" xmlns:r="http://schemas.openxmlformats.org/officeDocument/2006/relationships" xmlns:p="http://schemas.openxmlformats.org/presentationml/2006/main">
+  <p:cSld>
+    <p:spTree>
+      <p:nvGrpSpPr>
+        <p:cNvPr id="1" name=""/>
+        <p:cNvGrpSpPr/>
+        <p:nvPr/>
+      </p:nvGrpSpPr>
+      <p:grpSpPr>
+        <a:xfrm>
+          <a:off x="0" y="0"/>
+          <a:ext cx="0" cy="0"/>
+          <a:chOff x="0" y="0"/>
+          <a:chExt cx="0" cy="0"/>
+        </a:xfrm>
+      </p:grpSpPr>
+      <p:sp>
+        <p:nvSpPr>
+          <p:cNvPr id="2" name="Slide Image Placeholder 1"/>
+          <p:cNvSpPr>
+            <a:spLocks noGrp="1" noRot="1" noChangeAspect="1"/>
+          </p:cNvSpPr>
+          <p:nvPr>
+            <p:ph type="sldImg"/>
+          </p:nvPr>
+        </p:nvSpPr>
+        <p:spPr/>
+      </p:sp>
+      <p:sp>
+        <p:nvSpPr>
+          <p:cNvPr id="3" name="Notes Placeholder 2"/>
+          <p:cNvSpPr>
+            <a:spLocks noGrp="1"/>
+          </p:cNvSpPr>
+          <p:nvPr>
+            <p:ph type="body" idx="1"/>
+          </p:nvPr>
+        </p:nvSpPr>
+        <p:spPr/>
+        <p:txBody>
+          <a:bodyPr/>
+          <a:lstStyle/>
+          <a:p>
+            <a:endParaRPr lang="en-US" dirty="0"/>
+          </a:p>
+        </p:txBody>
+      </p:sp>
+      <p:sp>
+        <p:nvSpPr>
+          <p:cNvPr id="4" name="Slide Number Placeholder 3"/>
+          <p:cNvSpPr>
+            <a:spLocks noGrp="1"/>
+          </p:cNvSpPr>
+          <p:nvPr>
+            <p:ph type="sldNum" sz="quarter" idx="10"/>
+          </p:nvPr>
+        </p:nvSpPr>
+        <p:spPr/>
+        <p:txBody>
+          <a:bodyPr/>
+          <a:lstStyle/>
+          <a:p>
+            <a:fld id="{D8D2869B-1468-45B5-BC1B-0F621F33782D}" type="slidenum">
+              <a:rPr lang="en-US" smtClean="0"/>
+              <a:t>1</a:t>
+            </a:fld>
+            <a:endParaRPr lang="en-US"/>
+          </a:p>
+        </p:txBody>
+      </p:sp>
+    </p:spTree>
+    <p:extLst>
+      <p:ext uri="{BB962C8B-B14F-4D97-AF65-F5344CB8AC3E}">
+        <p14:creationId xmlns:p14="http://schemas.microsoft.com/office/powerpoint/2010/main" val="921450770"/>
+      </p:ext>
+    </p:extLst>
+  </p:cSld>
+  <p:clrMapOvr>
+    <a:masterClrMapping/>
+  </p:clrMapOvr>
+</p:notes>
 </file>
 
 <file path=ppt/slideLayouts/slideLayout1.xml><?xml version="1.0" encoding="utf-8"?>
@@ -136,8 +573,8 @@
         </p:nvSpPr>
         <p:spPr>
           <a:xfrm>
-            <a:off x="1268735" y="1562321"/>
-            <a:ext cx="14378939" cy="1078017"/>
+            <a:off x="1234443" y="1420296"/>
+            <a:ext cx="13990320" cy="980015"/>
           </a:xfrm>
         </p:spPr>
         <p:txBody>
@@ -164,8 +601,8 @@
         </p:nvSpPr>
         <p:spPr>
           <a:xfrm>
-            <a:off x="2537462" y="2849885"/>
-            <a:ext cx="11841480" cy="1285240"/>
+            <a:off x="2468881" y="2590805"/>
+            <a:ext cx="11521440" cy="1168400"/>
           </a:xfrm>
         </p:spPr>
         <p:txBody>
@@ -181,7 +618,7 @@
                 </a:solidFill>
               </a:defRPr>
             </a:lvl1pPr>
-            <a:lvl2pPr marL="605241" indent="0" algn="ctr">
+            <a:lvl2pPr marL="786813" indent="0" algn="ctr">
               <a:buNone/>
               <a:defRPr>
                 <a:solidFill>
@@ -191,7 +628,7 @@
                 </a:solidFill>
               </a:defRPr>
             </a:lvl2pPr>
-            <a:lvl3pPr marL="1210483" indent="0" algn="ctr">
+            <a:lvl3pPr marL="1573628" indent="0" algn="ctr">
               <a:buNone/>
               <a:defRPr>
                 <a:solidFill>
@@ -201,7 +638,7 @@
                 </a:solidFill>
               </a:defRPr>
             </a:lvl3pPr>
-            <a:lvl4pPr marL="1815724" indent="0" algn="ctr">
+            <a:lvl4pPr marL="2360441" indent="0" algn="ctr">
               <a:buNone/>
               <a:defRPr>
                 <a:solidFill>
@@ -211,7 +648,7 @@
                 </a:solidFill>
               </a:defRPr>
             </a:lvl4pPr>
-            <a:lvl5pPr marL="2420965" indent="0" algn="ctr">
+            <a:lvl5pPr marL="3147255" indent="0" algn="ctr">
               <a:buNone/>
               <a:defRPr>
                 <a:solidFill>
@@ -221,7 +658,7 @@
                 </a:solidFill>
               </a:defRPr>
             </a:lvl5pPr>
-            <a:lvl6pPr marL="3026207" indent="0" algn="ctr">
+            <a:lvl6pPr marL="3934069" indent="0" algn="ctr">
               <a:buNone/>
               <a:defRPr>
                 <a:solidFill>
@@ -231,7 +668,7 @@
                 </a:solidFill>
               </a:defRPr>
             </a:lvl6pPr>
-            <a:lvl7pPr marL="3631448" indent="0" algn="ctr">
+            <a:lvl7pPr marL="4720882" indent="0" algn="ctr">
               <a:buNone/>
               <a:defRPr>
                 <a:solidFill>
@@ -241,7 +678,7 @@
                 </a:solidFill>
               </a:defRPr>
             </a:lvl7pPr>
-            <a:lvl8pPr marL="4236690" indent="0" algn="ctr">
+            <a:lvl8pPr marL="5507697" indent="0" algn="ctr">
               <a:buNone/>
               <a:defRPr>
                 <a:solidFill>
@@ -251,7 +688,7 @@
                 </a:solidFill>
               </a:defRPr>
             </a:lvl8pPr>
-            <a:lvl9pPr marL="4841931" indent="0" algn="ctr">
+            <a:lvl9pPr marL="6294510" indent="0" algn="ctr">
               <a:buNone/>
               <a:defRPr>
                 <a:solidFill>
@@ -288,7 +725,7 @@
           <a:p>
             <a:fld id="{B5AD80BF-DA2F-4C08-95E5-203EBFB060C0}" type="datetimeFigureOut">
               <a:rPr lang="en-US" smtClean="0"/>
-              <a:t>6/5/2015</a:t>
+              <a:t>6/15/2015</a:t>
             </a:fld>
             <a:endParaRPr lang="en-US"/>
           </a:p>
@@ -458,7 +895,7 @@
           <a:p>
             <a:fld id="{B5AD80BF-DA2F-4C08-95E5-203EBFB060C0}" type="datetimeFigureOut">
               <a:rPr lang="en-US" smtClean="0"/>
-              <a:t>6/5/2015</a:t>
+              <a:t>6/15/2015</a:t>
             </a:fld>
             <a:endParaRPr lang="en-US"/>
           </a:p>
@@ -548,8 +985,8 @@
         </p:nvSpPr>
         <p:spPr>
           <a:xfrm>
-            <a:off x="28455399" y="172304"/>
-            <a:ext cx="8828247" cy="3661304"/>
+            <a:off x="27686337" y="156640"/>
+            <a:ext cx="8589645" cy="3328458"/>
           </a:xfrm>
         </p:spPr>
         <p:txBody>
@@ -576,8 +1013,8 @@
         </p:nvSpPr>
         <p:spPr>
           <a:xfrm>
-            <a:off x="1961841" y="172304"/>
-            <a:ext cx="26211611" cy="3661304"/>
+            <a:off x="1908823" y="156640"/>
+            <a:ext cx="25503191" cy="3328458"/>
           </a:xfrm>
         </p:spPr>
         <p:txBody>
@@ -638,7 +1075,7 @@
           <a:p>
             <a:fld id="{B5AD80BF-DA2F-4C08-95E5-203EBFB060C0}" type="datetimeFigureOut">
               <a:rPr lang="en-US" smtClean="0"/>
-              <a:t>6/5/2015</a:t>
+              <a:t>6/15/2015</a:t>
             </a:fld>
             <a:endParaRPr lang="en-US"/>
           </a:p>
@@ -808,7 +1245,7 @@
           <a:p>
             <a:fld id="{B5AD80BF-DA2F-4C08-95E5-203EBFB060C0}" type="datetimeFigureOut">
               <a:rPr lang="en-US" smtClean="0"/>
-              <a:t>6/5/2015</a:t>
+              <a:t>6/15/2015</a:t>
             </a:fld>
             <a:endParaRPr lang="en-US"/>
           </a:p>
@@ -898,15 +1335,15 @@
         </p:nvSpPr>
         <p:spPr>
           <a:xfrm>
-            <a:off x="1336285" y="3231732"/>
-            <a:ext cx="14378939" cy="998855"/>
+            <a:off x="1300170" y="2937940"/>
+            <a:ext cx="13990320" cy="908050"/>
           </a:xfrm>
         </p:spPr>
         <p:txBody>
           <a:bodyPr anchor="t"/>
           <a:lstStyle>
             <a:lvl1pPr algn="l">
-              <a:defRPr sz="5300" b="1" cap="all"/>
+              <a:defRPr sz="6900" b="1" cap="all"/>
             </a:lvl1pPr>
           </a:lstStyle>
           <a:p>
@@ -930,8 +1367,8 @@
         </p:nvSpPr>
         <p:spPr>
           <a:xfrm>
-            <a:off x="1336285" y="2131600"/>
-            <a:ext cx="14378939" cy="1100138"/>
+            <a:off x="1300170" y="1937821"/>
+            <a:ext cx="13990320" cy="1000125"/>
           </a:xfrm>
         </p:spPr>
         <p:txBody>
@@ -939,7 +1376,7 @@
           <a:lstStyle>
             <a:lvl1pPr marL="0" indent="0">
               <a:buNone/>
-              <a:defRPr sz="2600">
+              <a:defRPr sz="3400">
                 <a:solidFill>
                   <a:schemeClr val="tx1">
                     <a:tint val="75000"/>
@@ -947,9 +1384,9 @@
                 </a:solidFill>
               </a:defRPr>
             </a:lvl1pPr>
-            <a:lvl2pPr marL="605241" indent="0">
-              <a:buNone/>
-              <a:defRPr sz="2400">
+            <a:lvl2pPr marL="786813" indent="0">
+              <a:buNone/>
+              <a:defRPr sz="3100">
                 <a:solidFill>
                   <a:schemeClr val="tx1">
                     <a:tint val="75000"/>
@@ -957,9 +1394,9 @@
                 </a:solidFill>
               </a:defRPr>
             </a:lvl2pPr>
-            <a:lvl3pPr marL="1210483" indent="0">
-              <a:buNone/>
-              <a:defRPr sz="2100">
+            <a:lvl3pPr marL="1573628" indent="0">
+              <a:buNone/>
+              <a:defRPr sz="2700">
                 <a:solidFill>
                   <a:schemeClr val="tx1">
                     <a:tint val="75000"/>
@@ -967,9 +1404,9 @@
                 </a:solidFill>
               </a:defRPr>
             </a:lvl3pPr>
-            <a:lvl4pPr marL="1815724" indent="0">
-              <a:buNone/>
-              <a:defRPr sz="1900">
+            <a:lvl4pPr marL="2360441" indent="0">
+              <a:buNone/>
+              <a:defRPr sz="2500">
                 <a:solidFill>
                   <a:schemeClr val="tx1">
                     <a:tint val="75000"/>
@@ -977,9 +1414,9 @@
                 </a:solidFill>
               </a:defRPr>
             </a:lvl4pPr>
-            <a:lvl5pPr marL="2420965" indent="0">
-              <a:buNone/>
-              <a:defRPr sz="1900">
+            <a:lvl5pPr marL="3147255" indent="0">
+              <a:buNone/>
+              <a:defRPr sz="2500">
                 <a:solidFill>
                   <a:schemeClr val="tx1">
                     <a:tint val="75000"/>
@@ -987,9 +1424,9 @@
                 </a:solidFill>
               </a:defRPr>
             </a:lvl5pPr>
-            <a:lvl6pPr marL="3026207" indent="0">
-              <a:buNone/>
-              <a:defRPr sz="1900">
+            <a:lvl6pPr marL="3934069" indent="0">
+              <a:buNone/>
+              <a:defRPr sz="2500">
                 <a:solidFill>
                   <a:schemeClr val="tx1">
                     <a:tint val="75000"/>
@@ -997,9 +1434,9 @@
                 </a:solidFill>
               </a:defRPr>
             </a:lvl6pPr>
-            <a:lvl7pPr marL="3631448" indent="0">
-              <a:buNone/>
-              <a:defRPr sz="1900">
+            <a:lvl7pPr marL="4720882" indent="0">
+              <a:buNone/>
+              <a:defRPr sz="2500">
                 <a:solidFill>
                   <a:schemeClr val="tx1">
                     <a:tint val="75000"/>
@@ -1007,9 +1444,9 @@
                 </a:solidFill>
               </a:defRPr>
             </a:lvl7pPr>
-            <a:lvl8pPr marL="4236690" indent="0">
-              <a:buNone/>
-              <a:defRPr sz="1900">
+            <a:lvl8pPr marL="5507697" indent="0">
+              <a:buNone/>
+              <a:defRPr sz="2500">
                 <a:solidFill>
                   <a:schemeClr val="tx1">
                     <a:tint val="75000"/>
@@ -1017,9 +1454,9 @@
                 </a:solidFill>
               </a:defRPr>
             </a:lvl8pPr>
-            <a:lvl9pPr marL="4841931" indent="0">
-              <a:buNone/>
-              <a:defRPr sz="1900">
+            <a:lvl9pPr marL="6294510" indent="0">
+              <a:buNone/>
+              <a:defRPr sz="2500">
                 <a:solidFill>
                   <a:schemeClr val="tx1">
                     <a:tint val="75000"/>
@@ -1054,7 +1491,7 @@
           <a:p>
             <a:fld id="{B5AD80BF-DA2F-4C08-95E5-203EBFB060C0}" type="datetimeFigureOut">
               <a:rPr lang="en-US" smtClean="0"/>
-              <a:t>6/5/2015</a:t>
+              <a:t>6/15/2015</a:t>
             </a:fld>
             <a:endParaRPr lang="en-US"/>
           </a:p>
@@ -1167,39 +1604,39 @@
         </p:nvSpPr>
         <p:spPr>
           <a:xfrm>
-            <a:off x="1961833" y="1001190"/>
-            <a:ext cx="17518460" cy="2832418"/>
+            <a:off x="1908812" y="910176"/>
+            <a:ext cx="17044989" cy="2574925"/>
           </a:xfrm>
         </p:spPr>
         <p:txBody>
           <a:bodyPr/>
           <a:lstStyle>
             <a:lvl1pPr>
-              <a:defRPr sz="3700"/>
+              <a:defRPr sz="4800"/>
             </a:lvl1pPr>
             <a:lvl2pPr>
-              <a:defRPr sz="3200"/>
+              <a:defRPr sz="4200"/>
             </a:lvl2pPr>
             <a:lvl3pPr>
-              <a:defRPr sz="2600"/>
+              <a:defRPr sz="3400"/>
             </a:lvl3pPr>
             <a:lvl4pPr>
-              <a:defRPr sz="2400"/>
+              <a:defRPr sz="3100"/>
             </a:lvl4pPr>
             <a:lvl5pPr>
-              <a:defRPr sz="2400"/>
+              <a:defRPr sz="3100"/>
             </a:lvl5pPr>
             <a:lvl6pPr>
-              <a:defRPr sz="2400"/>
+              <a:defRPr sz="3100"/>
             </a:lvl6pPr>
             <a:lvl7pPr>
-              <a:defRPr sz="2400"/>
+              <a:defRPr sz="3100"/>
             </a:lvl7pPr>
             <a:lvl8pPr>
-              <a:defRPr sz="2400"/>
+              <a:defRPr sz="3100"/>
             </a:lvl8pPr>
             <a:lvl9pPr>
-              <a:defRPr sz="2400"/>
+              <a:defRPr sz="3100"/>
             </a:lvl9pPr>
           </a:lstStyle>
           <a:p>
@@ -1252,39 +1689,39 @@
         </p:nvSpPr>
         <p:spPr>
           <a:xfrm>
-            <a:off x="19762244" y="1001190"/>
-            <a:ext cx="17521397" cy="2832418"/>
+            <a:off x="19228134" y="910176"/>
+            <a:ext cx="17047845" cy="2574925"/>
           </a:xfrm>
         </p:spPr>
         <p:txBody>
           <a:bodyPr/>
           <a:lstStyle>
             <a:lvl1pPr>
-              <a:defRPr sz="3700"/>
+              <a:defRPr sz="4800"/>
             </a:lvl1pPr>
             <a:lvl2pPr>
-              <a:defRPr sz="3200"/>
+              <a:defRPr sz="4200"/>
             </a:lvl2pPr>
             <a:lvl3pPr>
-              <a:defRPr sz="2600"/>
+              <a:defRPr sz="3400"/>
             </a:lvl3pPr>
             <a:lvl4pPr>
-              <a:defRPr sz="2400"/>
+              <a:defRPr sz="3100"/>
             </a:lvl4pPr>
             <a:lvl5pPr>
-              <a:defRPr sz="2400"/>
+              <a:defRPr sz="3100"/>
             </a:lvl5pPr>
             <a:lvl6pPr>
-              <a:defRPr sz="2400"/>
+              <a:defRPr sz="3100"/>
             </a:lvl6pPr>
             <a:lvl7pPr>
-              <a:defRPr sz="2400"/>
+              <a:defRPr sz="3100"/>
             </a:lvl7pPr>
             <a:lvl8pPr>
-              <a:defRPr sz="2400"/>
+              <a:defRPr sz="3100"/>
             </a:lvl8pPr>
             <a:lvl9pPr>
-              <a:defRPr sz="2400"/>
+              <a:defRPr sz="3100"/>
             </a:lvl9pPr>
           </a:lstStyle>
           <a:p>
@@ -1342,7 +1779,7 @@
           <a:p>
             <a:fld id="{B5AD80BF-DA2F-4C08-95E5-203EBFB060C0}" type="datetimeFigureOut">
               <a:rPr lang="en-US" smtClean="0"/>
-              <a:t>6/5/2015</a:t>
+              <a:t>6/15/2015</a:t>
             </a:fld>
             <a:endParaRPr lang="en-US"/>
           </a:p>
@@ -1432,8 +1869,8 @@
         </p:nvSpPr>
         <p:spPr>
           <a:xfrm>
-            <a:off x="845820" y="201405"/>
-            <a:ext cx="15224760" cy="838200"/>
+            <a:off x="822960" y="183095"/>
+            <a:ext cx="14813280" cy="762000"/>
           </a:xfrm>
         </p:spPr>
         <p:txBody>
@@ -1464,8 +1901,8 @@
         </p:nvSpPr>
         <p:spPr>
           <a:xfrm>
-            <a:off x="845821" y="1125754"/>
-            <a:ext cx="7474347" cy="469160"/>
+            <a:off x="822967" y="1023416"/>
+            <a:ext cx="7272339" cy="426509"/>
           </a:xfrm>
         </p:spPr>
         <p:txBody>
@@ -1473,39 +1910,39 @@
           <a:lstStyle>
             <a:lvl1pPr marL="0" indent="0">
               <a:buNone/>
-              <a:defRPr sz="3200" b="1"/>
+              <a:defRPr sz="4200" b="1"/>
             </a:lvl1pPr>
-            <a:lvl2pPr marL="605241" indent="0">
-              <a:buNone/>
-              <a:defRPr sz="2600" b="1"/>
+            <a:lvl2pPr marL="786813" indent="0">
+              <a:buNone/>
+              <a:defRPr sz="3400" b="1"/>
             </a:lvl2pPr>
-            <a:lvl3pPr marL="1210483" indent="0">
-              <a:buNone/>
-              <a:defRPr sz="2400" b="1"/>
+            <a:lvl3pPr marL="1573628" indent="0">
+              <a:buNone/>
+              <a:defRPr sz="3100" b="1"/>
             </a:lvl3pPr>
-            <a:lvl4pPr marL="1815724" indent="0">
-              <a:buNone/>
-              <a:defRPr sz="2100" b="1"/>
+            <a:lvl4pPr marL="2360441" indent="0">
+              <a:buNone/>
+              <a:defRPr sz="2700" b="1"/>
             </a:lvl4pPr>
-            <a:lvl5pPr marL="2420965" indent="0">
-              <a:buNone/>
-              <a:defRPr sz="2100" b="1"/>
+            <a:lvl5pPr marL="3147255" indent="0">
+              <a:buNone/>
+              <a:defRPr sz="2700" b="1"/>
             </a:lvl5pPr>
-            <a:lvl6pPr marL="3026207" indent="0">
-              <a:buNone/>
-              <a:defRPr sz="2100" b="1"/>
+            <a:lvl6pPr marL="3934069" indent="0">
+              <a:buNone/>
+              <a:defRPr sz="2700" b="1"/>
             </a:lvl6pPr>
-            <a:lvl7pPr marL="3631448" indent="0">
-              <a:buNone/>
-              <a:defRPr sz="2100" b="1"/>
+            <a:lvl7pPr marL="4720882" indent="0">
+              <a:buNone/>
+              <a:defRPr sz="2700" b="1"/>
             </a:lvl7pPr>
-            <a:lvl8pPr marL="4236690" indent="0">
-              <a:buNone/>
-              <a:defRPr sz="2100" b="1"/>
+            <a:lvl8pPr marL="5507697" indent="0">
+              <a:buNone/>
+              <a:defRPr sz="2700" b="1"/>
             </a:lvl8pPr>
-            <a:lvl9pPr marL="4841931" indent="0">
-              <a:buNone/>
-              <a:defRPr sz="2100" b="1"/>
+            <a:lvl9pPr marL="6294510" indent="0">
+              <a:buNone/>
+              <a:defRPr sz="2700" b="1"/>
             </a:lvl9pPr>
           </a:lstStyle>
           <a:p>
@@ -1529,39 +1966,39 @@
         </p:nvSpPr>
         <p:spPr>
           <a:xfrm>
-            <a:off x="845821" y="1594913"/>
-            <a:ext cx="7474347" cy="2897611"/>
+            <a:off x="822967" y="1449921"/>
+            <a:ext cx="7272339" cy="2634192"/>
           </a:xfrm>
         </p:spPr>
         <p:txBody>
           <a:bodyPr/>
           <a:lstStyle>
             <a:lvl1pPr>
-              <a:defRPr sz="3200"/>
+              <a:defRPr sz="4200"/>
             </a:lvl1pPr>
             <a:lvl2pPr>
-              <a:defRPr sz="2600"/>
+              <a:defRPr sz="3400"/>
             </a:lvl2pPr>
             <a:lvl3pPr>
-              <a:defRPr sz="2400"/>
+              <a:defRPr sz="3100"/>
             </a:lvl3pPr>
             <a:lvl4pPr>
-              <a:defRPr sz="2100"/>
+              <a:defRPr sz="2700"/>
             </a:lvl4pPr>
             <a:lvl5pPr>
-              <a:defRPr sz="2100"/>
+              <a:defRPr sz="2700"/>
             </a:lvl5pPr>
             <a:lvl6pPr>
-              <a:defRPr sz="2100"/>
+              <a:defRPr sz="2700"/>
             </a:lvl6pPr>
             <a:lvl7pPr>
-              <a:defRPr sz="2100"/>
+              <a:defRPr sz="2700"/>
             </a:lvl7pPr>
             <a:lvl8pPr>
-              <a:defRPr sz="2100"/>
+              <a:defRPr sz="2700"/>
             </a:lvl8pPr>
             <a:lvl9pPr>
-              <a:defRPr sz="2100"/>
+              <a:defRPr sz="2700"/>
             </a:lvl9pPr>
           </a:lstStyle>
           <a:p>
@@ -1614,8 +2051,8 @@
         </p:nvSpPr>
         <p:spPr>
           <a:xfrm>
-            <a:off x="8593307" y="1125754"/>
-            <a:ext cx="7477285" cy="469160"/>
+            <a:off x="8361062" y="1023416"/>
+            <a:ext cx="7275195" cy="426509"/>
           </a:xfrm>
         </p:spPr>
         <p:txBody>
@@ -1623,39 +2060,39 @@
           <a:lstStyle>
             <a:lvl1pPr marL="0" indent="0">
               <a:buNone/>
-              <a:defRPr sz="3200" b="1"/>
+              <a:defRPr sz="4200" b="1"/>
             </a:lvl1pPr>
-            <a:lvl2pPr marL="605241" indent="0">
-              <a:buNone/>
-              <a:defRPr sz="2600" b="1"/>
+            <a:lvl2pPr marL="786813" indent="0">
+              <a:buNone/>
+              <a:defRPr sz="3400" b="1"/>
             </a:lvl2pPr>
-            <a:lvl3pPr marL="1210483" indent="0">
-              <a:buNone/>
-              <a:defRPr sz="2400" b="1"/>
+            <a:lvl3pPr marL="1573628" indent="0">
+              <a:buNone/>
+              <a:defRPr sz="3100" b="1"/>
             </a:lvl3pPr>
-            <a:lvl4pPr marL="1815724" indent="0">
-              <a:buNone/>
-              <a:defRPr sz="2100" b="1"/>
+            <a:lvl4pPr marL="2360441" indent="0">
+              <a:buNone/>
+              <a:defRPr sz="2700" b="1"/>
             </a:lvl4pPr>
-            <a:lvl5pPr marL="2420965" indent="0">
-              <a:buNone/>
-              <a:defRPr sz="2100" b="1"/>
+            <a:lvl5pPr marL="3147255" indent="0">
+              <a:buNone/>
+              <a:defRPr sz="2700" b="1"/>
             </a:lvl5pPr>
-            <a:lvl6pPr marL="3026207" indent="0">
-              <a:buNone/>
-              <a:defRPr sz="2100" b="1"/>
+            <a:lvl6pPr marL="3934069" indent="0">
+              <a:buNone/>
+              <a:defRPr sz="2700" b="1"/>
             </a:lvl6pPr>
-            <a:lvl7pPr marL="3631448" indent="0">
-              <a:buNone/>
-              <a:defRPr sz="2100" b="1"/>
+            <a:lvl7pPr marL="4720882" indent="0">
+              <a:buNone/>
+              <a:defRPr sz="2700" b="1"/>
             </a:lvl7pPr>
-            <a:lvl8pPr marL="4236690" indent="0">
-              <a:buNone/>
-              <a:defRPr sz="2100" b="1"/>
+            <a:lvl8pPr marL="5507697" indent="0">
+              <a:buNone/>
+              <a:defRPr sz="2700" b="1"/>
             </a:lvl8pPr>
-            <a:lvl9pPr marL="4841931" indent="0">
-              <a:buNone/>
-              <a:defRPr sz="2100" b="1"/>
+            <a:lvl9pPr marL="6294510" indent="0">
+              <a:buNone/>
+              <a:defRPr sz="2700" b="1"/>
             </a:lvl9pPr>
           </a:lstStyle>
           <a:p>
@@ -1679,39 +2116,39 @@
         </p:nvSpPr>
         <p:spPr>
           <a:xfrm>
-            <a:off x="8593307" y="1594913"/>
-            <a:ext cx="7477285" cy="2897611"/>
+            <a:off x="8361062" y="1449921"/>
+            <a:ext cx="7275195" cy="2634192"/>
           </a:xfrm>
         </p:spPr>
         <p:txBody>
           <a:bodyPr/>
           <a:lstStyle>
             <a:lvl1pPr>
-              <a:defRPr sz="3200"/>
+              <a:defRPr sz="4200"/>
             </a:lvl1pPr>
             <a:lvl2pPr>
-              <a:defRPr sz="2600"/>
+              <a:defRPr sz="3400"/>
             </a:lvl2pPr>
             <a:lvl3pPr>
-              <a:defRPr sz="2400"/>
+              <a:defRPr sz="3100"/>
             </a:lvl3pPr>
             <a:lvl4pPr>
-              <a:defRPr sz="2100"/>
+              <a:defRPr sz="2700"/>
             </a:lvl4pPr>
             <a:lvl5pPr>
-              <a:defRPr sz="2100"/>
+              <a:defRPr sz="2700"/>
             </a:lvl5pPr>
             <a:lvl6pPr>
-              <a:defRPr sz="2100"/>
+              <a:defRPr sz="2700"/>
             </a:lvl6pPr>
             <a:lvl7pPr>
-              <a:defRPr sz="2100"/>
+              <a:defRPr sz="2700"/>
             </a:lvl7pPr>
             <a:lvl8pPr>
-              <a:defRPr sz="2100"/>
+              <a:defRPr sz="2700"/>
             </a:lvl8pPr>
             <a:lvl9pPr>
-              <a:defRPr sz="2100"/>
+              <a:defRPr sz="2700"/>
             </a:lvl9pPr>
           </a:lstStyle>
           <a:p>
@@ -1769,7 +2206,7 @@
           <a:p>
             <a:fld id="{B5AD80BF-DA2F-4C08-95E5-203EBFB060C0}" type="datetimeFigureOut">
               <a:rPr lang="en-US" smtClean="0"/>
-              <a:t>6/5/2015</a:t>
+              <a:t>6/15/2015</a:t>
             </a:fld>
             <a:endParaRPr lang="en-US"/>
           </a:p>
@@ -1887,7 +2324,7 @@
           <a:p>
             <a:fld id="{B5AD80BF-DA2F-4C08-95E5-203EBFB060C0}" type="datetimeFigureOut">
               <a:rPr lang="en-US" smtClean="0"/>
-              <a:t>6/5/2015</a:t>
+              <a:t>6/15/2015</a:t>
             </a:fld>
             <a:endParaRPr lang="en-US"/>
           </a:p>
@@ -1982,7 +2419,7 @@
           <a:p>
             <a:fld id="{B5AD80BF-DA2F-4C08-95E5-203EBFB060C0}" type="datetimeFigureOut">
               <a:rPr lang="en-US" smtClean="0"/>
-              <a:t>6/5/2015</a:t>
+              <a:t>6/15/2015</a:t>
             </a:fld>
             <a:endParaRPr lang="en-US"/>
           </a:p>
@@ -2072,15 +2509,15 @@
         </p:nvSpPr>
         <p:spPr>
           <a:xfrm>
-            <a:off x="845828" y="200239"/>
-            <a:ext cx="5565380" cy="852170"/>
+            <a:off x="822972" y="182035"/>
+            <a:ext cx="5414964" cy="774700"/>
           </a:xfrm>
         </p:spPr>
         <p:txBody>
           <a:bodyPr anchor="b"/>
           <a:lstStyle>
             <a:lvl1pPr algn="l">
-              <a:defRPr sz="2600" b="1"/>
+              <a:defRPr sz="3400" b="1"/>
             </a:lvl1pPr>
           </a:lstStyle>
           <a:p>
@@ -2104,39 +2541,39 @@
         </p:nvSpPr>
         <p:spPr>
           <a:xfrm>
-            <a:off x="6613848" y="200242"/>
-            <a:ext cx="9456738" cy="4292283"/>
+            <a:off x="6435101" y="182043"/>
+            <a:ext cx="9201150" cy="3902075"/>
           </a:xfrm>
         </p:spPr>
         <p:txBody>
           <a:bodyPr/>
           <a:lstStyle>
             <a:lvl1pPr>
-              <a:defRPr sz="4200"/>
+              <a:defRPr sz="5500"/>
             </a:lvl1pPr>
             <a:lvl2pPr>
-              <a:defRPr sz="3700"/>
+              <a:defRPr sz="4800"/>
             </a:lvl2pPr>
             <a:lvl3pPr>
-              <a:defRPr sz="3200"/>
+              <a:defRPr sz="4200"/>
             </a:lvl3pPr>
             <a:lvl4pPr>
-              <a:defRPr sz="2600"/>
+              <a:defRPr sz="3400"/>
             </a:lvl4pPr>
             <a:lvl5pPr>
-              <a:defRPr sz="2600"/>
+              <a:defRPr sz="3400"/>
             </a:lvl5pPr>
             <a:lvl6pPr>
-              <a:defRPr sz="2600"/>
+              <a:defRPr sz="3400"/>
             </a:lvl6pPr>
             <a:lvl7pPr>
-              <a:defRPr sz="2600"/>
+              <a:defRPr sz="3400"/>
             </a:lvl7pPr>
             <a:lvl8pPr>
-              <a:defRPr sz="2600"/>
+              <a:defRPr sz="3400"/>
             </a:lvl8pPr>
             <a:lvl9pPr>
-              <a:defRPr sz="2600"/>
+              <a:defRPr sz="3400"/>
             </a:lvl9pPr>
           </a:lstStyle>
           <a:p>
@@ -2189,8 +2626,8 @@
         </p:nvSpPr>
         <p:spPr>
           <a:xfrm>
-            <a:off x="845828" y="1052409"/>
-            <a:ext cx="5565380" cy="3440113"/>
+            <a:off x="822972" y="956740"/>
+            <a:ext cx="5414964" cy="3127375"/>
           </a:xfrm>
         </p:spPr>
         <p:txBody>
@@ -2198,39 +2635,39 @@
           <a:lstStyle>
             <a:lvl1pPr marL="0" indent="0">
               <a:buNone/>
-              <a:defRPr sz="1900"/>
+              <a:defRPr sz="2500"/>
             </a:lvl1pPr>
-            <a:lvl2pPr marL="605241" indent="0">
+            <a:lvl2pPr marL="786813" indent="0">
+              <a:buNone/>
+              <a:defRPr sz="2100"/>
+            </a:lvl2pPr>
+            <a:lvl3pPr marL="1573628" indent="0">
+              <a:buNone/>
+              <a:defRPr sz="1700"/>
+            </a:lvl3pPr>
+            <a:lvl4pPr marL="2360441" indent="0">
               <a:buNone/>
               <a:defRPr sz="1600"/>
-            </a:lvl2pPr>
-            <a:lvl3pPr marL="1210483" indent="0">
-              <a:buNone/>
-              <a:defRPr sz="1300"/>
-            </a:lvl3pPr>
-            <a:lvl4pPr marL="1815724" indent="0">
-              <a:buNone/>
-              <a:defRPr sz="1200"/>
             </a:lvl4pPr>
-            <a:lvl5pPr marL="2420965" indent="0">
-              <a:buNone/>
-              <a:defRPr sz="1200"/>
+            <a:lvl5pPr marL="3147255" indent="0">
+              <a:buNone/>
+              <a:defRPr sz="1600"/>
             </a:lvl5pPr>
-            <a:lvl6pPr marL="3026207" indent="0">
-              <a:buNone/>
-              <a:defRPr sz="1200"/>
+            <a:lvl6pPr marL="3934069" indent="0">
+              <a:buNone/>
+              <a:defRPr sz="1600"/>
             </a:lvl6pPr>
-            <a:lvl7pPr marL="3631448" indent="0">
-              <a:buNone/>
-              <a:defRPr sz="1200"/>
+            <a:lvl7pPr marL="4720882" indent="0">
+              <a:buNone/>
+              <a:defRPr sz="1600"/>
             </a:lvl7pPr>
-            <a:lvl8pPr marL="4236690" indent="0">
-              <a:buNone/>
-              <a:defRPr sz="1200"/>
+            <a:lvl8pPr marL="5507697" indent="0">
+              <a:buNone/>
+              <a:defRPr sz="1600"/>
             </a:lvl8pPr>
-            <a:lvl9pPr marL="4841931" indent="0">
-              <a:buNone/>
-              <a:defRPr sz="1200"/>
+            <a:lvl9pPr marL="6294510" indent="0">
+              <a:buNone/>
+              <a:defRPr sz="1600"/>
             </a:lvl9pPr>
           </a:lstStyle>
           <a:p>
@@ -2259,7 +2696,7 @@
           <a:p>
             <a:fld id="{B5AD80BF-DA2F-4C08-95E5-203EBFB060C0}" type="datetimeFigureOut">
               <a:rPr lang="en-US" smtClean="0"/>
-              <a:t>6/5/2015</a:t>
+              <a:t>6/15/2015</a:t>
             </a:fld>
             <a:endParaRPr lang="en-US"/>
           </a:p>
@@ -2349,15 +2786,15 @@
         </p:nvSpPr>
         <p:spPr>
           <a:xfrm>
-            <a:off x="3315734" y="3520443"/>
-            <a:ext cx="10149840" cy="415608"/>
+            <a:off x="3226121" y="3200406"/>
+            <a:ext cx="9875520" cy="377825"/>
           </a:xfrm>
         </p:spPr>
         <p:txBody>
           <a:bodyPr anchor="b"/>
           <a:lstStyle>
             <a:lvl1pPr algn="l">
-              <a:defRPr sz="2600" b="1"/>
+              <a:defRPr sz="3400" b="1"/>
             </a:lvl1pPr>
           </a:lstStyle>
           <a:p>
@@ -2381,8 +2818,8 @@
         </p:nvSpPr>
         <p:spPr>
           <a:xfrm>
-            <a:off x="3315734" y="449372"/>
-            <a:ext cx="10149840" cy="3017520"/>
+            <a:off x="3226121" y="408520"/>
+            <a:ext cx="9875520" cy="2743200"/>
           </a:xfrm>
         </p:spPr>
         <p:txBody>
@@ -2390,39 +2827,39 @@
           <a:lstStyle>
             <a:lvl1pPr marL="0" indent="0">
               <a:buNone/>
+              <a:defRPr sz="5500"/>
+            </a:lvl1pPr>
+            <a:lvl2pPr marL="786813" indent="0">
+              <a:buNone/>
+              <a:defRPr sz="4800"/>
+            </a:lvl2pPr>
+            <a:lvl3pPr marL="1573628" indent="0">
+              <a:buNone/>
               <a:defRPr sz="4200"/>
-            </a:lvl1pPr>
-            <a:lvl2pPr marL="605241" indent="0">
-              <a:buNone/>
-              <a:defRPr sz="3700"/>
-            </a:lvl2pPr>
-            <a:lvl3pPr marL="1210483" indent="0">
-              <a:buNone/>
-              <a:defRPr sz="3200"/>
             </a:lvl3pPr>
-            <a:lvl4pPr marL="1815724" indent="0">
-              <a:buNone/>
-              <a:defRPr sz="2600"/>
+            <a:lvl4pPr marL="2360441" indent="0">
+              <a:buNone/>
+              <a:defRPr sz="3400"/>
             </a:lvl4pPr>
-            <a:lvl5pPr marL="2420965" indent="0">
-              <a:buNone/>
-              <a:defRPr sz="2600"/>
+            <a:lvl5pPr marL="3147255" indent="0">
+              <a:buNone/>
+              <a:defRPr sz="3400"/>
             </a:lvl5pPr>
-            <a:lvl6pPr marL="3026207" indent="0">
-              <a:buNone/>
-              <a:defRPr sz="2600"/>
+            <a:lvl6pPr marL="3934069" indent="0">
+              <a:buNone/>
+              <a:defRPr sz="3400"/>
             </a:lvl6pPr>
-            <a:lvl7pPr marL="3631448" indent="0">
-              <a:buNone/>
-              <a:defRPr sz="2600"/>
+            <a:lvl7pPr marL="4720882" indent="0">
+              <a:buNone/>
+              <a:defRPr sz="3400"/>
             </a:lvl7pPr>
-            <a:lvl8pPr marL="4236690" indent="0">
-              <a:buNone/>
-              <a:defRPr sz="2600"/>
+            <a:lvl8pPr marL="5507697" indent="0">
+              <a:buNone/>
+              <a:defRPr sz="3400"/>
             </a:lvl8pPr>
-            <a:lvl9pPr marL="4841931" indent="0">
-              <a:buNone/>
-              <a:defRPr sz="2600"/>
+            <a:lvl9pPr marL="6294510" indent="0">
+              <a:buNone/>
+              <a:defRPr sz="3400"/>
             </a:lvl9pPr>
           </a:lstStyle>
           <a:p>
@@ -2442,8 +2879,8 @@
         </p:nvSpPr>
         <p:spPr>
           <a:xfrm>
-            <a:off x="3315734" y="3936056"/>
-            <a:ext cx="10149840" cy="590233"/>
+            <a:off x="3226121" y="3578237"/>
+            <a:ext cx="9875520" cy="536575"/>
           </a:xfrm>
         </p:spPr>
         <p:txBody>
@@ -2451,39 +2888,39 @@
           <a:lstStyle>
             <a:lvl1pPr marL="0" indent="0">
               <a:buNone/>
-              <a:defRPr sz="1900"/>
+              <a:defRPr sz="2500"/>
             </a:lvl1pPr>
-            <a:lvl2pPr marL="605241" indent="0">
+            <a:lvl2pPr marL="786813" indent="0">
+              <a:buNone/>
+              <a:defRPr sz="2100"/>
+            </a:lvl2pPr>
+            <a:lvl3pPr marL="1573628" indent="0">
+              <a:buNone/>
+              <a:defRPr sz="1700"/>
+            </a:lvl3pPr>
+            <a:lvl4pPr marL="2360441" indent="0">
               <a:buNone/>
               <a:defRPr sz="1600"/>
-            </a:lvl2pPr>
-            <a:lvl3pPr marL="1210483" indent="0">
-              <a:buNone/>
-              <a:defRPr sz="1300"/>
-            </a:lvl3pPr>
-            <a:lvl4pPr marL="1815724" indent="0">
-              <a:buNone/>
-              <a:defRPr sz="1200"/>
             </a:lvl4pPr>
-            <a:lvl5pPr marL="2420965" indent="0">
-              <a:buNone/>
-              <a:defRPr sz="1200"/>
+            <a:lvl5pPr marL="3147255" indent="0">
+              <a:buNone/>
+              <a:defRPr sz="1600"/>
             </a:lvl5pPr>
-            <a:lvl6pPr marL="3026207" indent="0">
-              <a:buNone/>
-              <a:defRPr sz="1200"/>
+            <a:lvl6pPr marL="3934069" indent="0">
+              <a:buNone/>
+              <a:defRPr sz="1600"/>
             </a:lvl6pPr>
-            <a:lvl7pPr marL="3631448" indent="0">
-              <a:buNone/>
-              <a:defRPr sz="1200"/>
+            <a:lvl7pPr marL="4720882" indent="0">
+              <a:buNone/>
+              <a:defRPr sz="1600"/>
             </a:lvl7pPr>
-            <a:lvl8pPr marL="4236690" indent="0">
-              <a:buNone/>
-              <a:defRPr sz="1200"/>
+            <a:lvl8pPr marL="5507697" indent="0">
+              <a:buNone/>
+              <a:defRPr sz="1600"/>
             </a:lvl8pPr>
-            <a:lvl9pPr marL="4841931" indent="0">
-              <a:buNone/>
-              <a:defRPr sz="1200"/>
+            <a:lvl9pPr marL="6294510" indent="0">
+              <a:buNone/>
+              <a:defRPr sz="1600"/>
             </a:lvl9pPr>
           </a:lstStyle>
           <a:p>
@@ -2512,7 +2949,7 @@
           <a:p>
             <a:fld id="{B5AD80BF-DA2F-4C08-95E5-203EBFB060C0}" type="datetimeFigureOut">
               <a:rPr lang="en-US" smtClean="0"/>
-              <a:t>6/5/2015</a:t>
+              <a:t>6/15/2015</a:t>
             </a:fld>
             <a:endParaRPr lang="en-US"/>
           </a:p>
@@ -2607,15 +3044,15 @@
         </p:nvSpPr>
         <p:spPr>
           <a:xfrm>
-            <a:off x="845820" y="201405"/>
-            <a:ext cx="15224760" cy="838200"/>
+            <a:off x="822960" y="183095"/>
+            <a:ext cx="14813280" cy="762000"/>
           </a:xfrm>
           <a:prstGeom prst="rect">
             <a:avLst/>
           </a:prstGeom>
         </p:spPr>
         <p:txBody>
-          <a:bodyPr vert="horz" lIns="121048" tIns="60524" rIns="121048" bIns="60524" rtlCol="0" anchor="ctr">
+          <a:bodyPr vert="horz" lIns="157362" tIns="78681" rIns="157362" bIns="78681" rtlCol="0" anchor="ctr">
             <a:normAutofit/>
           </a:bodyPr>
           <a:lstStyle/>
@@ -2640,15 +3077,15 @@
         </p:nvSpPr>
         <p:spPr>
           <a:xfrm>
-            <a:off x="845820" y="1173487"/>
-            <a:ext cx="15224760" cy="3319039"/>
+            <a:off x="822960" y="1066808"/>
+            <a:ext cx="14813280" cy="3017308"/>
           </a:xfrm>
           <a:prstGeom prst="rect">
             <a:avLst/>
           </a:prstGeom>
         </p:spPr>
         <p:txBody>
-          <a:bodyPr vert="horz" lIns="121048" tIns="60524" rIns="121048" bIns="60524" rtlCol="0">
+          <a:bodyPr vert="horz" lIns="157362" tIns="78681" rIns="157362" bIns="78681" rtlCol="0">
             <a:normAutofit/>
           </a:bodyPr>
           <a:lstStyle/>
@@ -2702,18 +3139,18 @@
         </p:nvSpPr>
         <p:spPr>
           <a:xfrm>
-            <a:off x="845820" y="4661324"/>
-            <a:ext cx="3947160" cy="267758"/>
+            <a:off x="822960" y="4237567"/>
+            <a:ext cx="3840480" cy="243416"/>
           </a:xfrm>
           <a:prstGeom prst="rect">
             <a:avLst/>
           </a:prstGeom>
         </p:spPr>
         <p:txBody>
-          <a:bodyPr vert="horz" lIns="121048" tIns="60524" rIns="121048" bIns="60524" rtlCol="0" anchor="ctr"/>
+          <a:bodyPr vert="horz" lIns="157362" tIns="78681" rIns="157362" bIns="78681" rtlCol="0" anchor="ctr"/>
           <a:lstStyle>
             <a:lvl1pPr algn="l">
-              <a:defRPr sz="1600">
+              <a:defRPr sz="2100">
                 <a:solidFill>
                   <a:schemeClr val="tx1">
                     <a:tint val="75000"/>
@@ -2725,7 +3162,7 @@
           <a:p>
             <a:fld id="{B5AD80BF-DA2F-4C08-95E5-203EBFB060C0}" type="datetimeFigureOut">
               <a:rPr lang="en-US" smtClean="0"/>
-              <a:t>6/5/2015</a:t>
+              <a:t>6/15/2015</a:t>
             </a:fld>
             <a:endParaRPr lang="en-US"/>
           </a:p>
@@ -2743,18 +3180,18 @@
         </p:nvSpPr>
         <p:spPr>
           <a:xfrm>
-            <a:off x="5779772" y="4661324"/>
-            <a:ext cx="5356860" cy="267758"/>
+            <a:off x="5623561" y="4237567"/>
+            <a:ext cx="5212080" cy="243416"/>
           </a:xfrm>
           <a:prstGeom prst="rect">
             <a:avLst/>
           </a:prstGeom>
         </p:spPr>
         <p:txBody>
-          <a:bodyPr vert="horz" lIns="121048" tIns="60524" rIns="121048" bIns="60524" rtlCol="0" anchor="ctr"/>
+          <a:bodyPr vert="horz" lIns="157362" tIns="78681" rIns="157362" bIns="78681" rtlCol="0" anchor="ctr"/>
           <a:lstStyle>
             <a:lvl1pPr algn="ctr">
-              <a:defRPr sz="1600">
+              <a:defRPr sz="2100">
                 <a:solidFill>
                   <a:schemeClr val="tx1">
                     <a:tint val="75000"/>
@@ -2780,18 +3217,18 @@
         </p:nvSpPr>
         <p:spPr>
           <a:xfrm>
-            <a:off x="12123420" y="4661324"/>
-            <a:ext cx="3947160" cy="267758"/>
+            <a:off x="11795760" y="4237567"/>
+            <a:ext cx="3840480" cy="243416"/>
           </a:xfrm>
           <a:prstGeom prst="rect">
             <a:avLst/>
           </a:prstGeom>
         </p:spPr>
         <p:txBody>
-          <a:bodyPr vert="horz" lIns="121048" tIns="60524" rIns="121048" bIns="60524" rtlCol="0" anchor="ctr"/>
+          <a:bodyPr vert="horz" lIns="157362" tIns="78681" rIns="157362" bIns="78681" rtlCol="0" anchor="ctr"/>
           <a:lstStyle>
             <a:lvl1pPr algn="r">
-              <a:defRPr sz="1600">
+              <a:defRPr sz="2100">
                 <a:solidFill>
                   <a:schemeClr val="tx1">
                     <a:tint val="75000"/>
@@ -2832,12 +3269,12 @@
   </p:sldLayoutIdLst>
   <p:txStyles>
     <p:titleStyle>
-      <a:lvl1pPr algn="ctr" defTabSz="1210483" rtl="0" eaLnBrk="1" latinLnBrk="0" hangingPunct="1">
+      <a:lvl1pPr algn="ctr" defTabSz="1573628" rtl="0" eaLnBrk="1" latinLnBrk="0" hangingPunct="1">
         <a:spcBef>
           <a:spcPct val="0"/>
         </a:spcBef>
         <a:buNone/>
-        <a:defRPr sz="5800" kern="1200">
+        <a:defRPr sz="7500" kern="1200">
           <a:solidFill>
             <a:schemeClr val="tx1"/>
           </a:solidFill>
@@ -2848,7 +3285,37 @@
       </a:lvl1pPr>
     </p:titleStyle>
     <p:bodyStyle>
-      <a:lvl1pPr marL="453931" indent="-453931" algn="l" defTabSz="1210483" rtl="0" eaLnBrk="1" latinLnBrk="0" hangingPunct="1">
+      <a:lvl1pPr marL="590110" indent="-590110" algn="l" defTabSz="1573628" rtl="0" eaLnBrk="1" latinLnBrk="0" hangingPunct="1">
+        <a:spcBef>
+          <a:spcPct val="20000"/>
+        </a:spcBef>
+        <a:buFont typeface="Arial" panose="020B0604020202020204" pitchFamily="34" charset="0"/>
+        <a:buChar char="•"/>
+        <a:defRPr sz="5500" kern="1200">
+          <a:solidFill>
+            <a:schemeClr val="tx1"/>
+          </a:solidFill>
+          <a:latin typeface="+mn-lt"/>
+          <a:ea typeface="+mn-ea"/>
+          <a:cs typeface="+mn-cs"/>
+        </a:defRPr>
+      </a:lvl1pPr>
+      <a:lvl2pPr marL="1278572" indent="-491759" algn="l" defTabSz="1573628" rtl="0" eaLnBrk="1" latinLnBrk="0" hangingPunct="1">
+        <a:spcBef>
+          <a:spcPct val="20000"/>
+        </a:spcBef>
+        <a:buFont typeface="Arial" panose="020B0604020202020204" pitchFamily="34" charset="0"/>
+        <a:buChar char="–"/>
+        <a:defRPr sz="4800" kern="1200">
+          <a:solidFill>
+            <a:schemeClr val="tx1"/>
+          </a:solidFill>
+          <a:latin typeface="+mn-lt"/>
+          <a:ea typeface="+mn-ea"/>
+          <a:cs typeface="+mn-cs"/>
+        </a:defRPr>
+      </a:lvl2pPr>
+      <a:lvl3pPr marL="1967034" indent="-393407" algn="l" defTabSz="1573628" rtl="0" eaLnBrk="1" latinLnBrk="0" hangingPunct="1">
         <a:spcBef>
           <a:spcPct val="20000"/>
         </a:spcBef>
@@ -2862,44 +3329,14 @@
           <a:ea typeface="+mn-ea"/>
           <a:cs typeface="+mn-cs"/>
         </a:defRPr>
-      </a:lvl1pPr>
-      <a:lvl2pPr marL="983517" indent="-378276" algn="l" defTabSz="1210483" rtl="0" eaLnBrk="1" latinLnBrk="0" hangingPunct="1">
+      </a:lvl3pPr>
+      <a:lvl4pPr marL="2753849" indent="-393407" algn="l" defTabSz="1573628" rtl="0" eaLnBrk="1" latinLnBrk="0" hangingPunct="1">
         <a:spcBef>
           <a:spcPct val="20000"/>
         </a:spcBef>
         <a:buFont typeface="Arial" panose="020B0604020202020204" pitchFamily="34" charset="0"/>
         <a:buChar char="–"/>
-        <a:defRPr sz="3700" kern="1200">
-          <a:solidFill>
-            <a:schemeClr val="tx1"/>
-          </a:solidFill>
-          <a:latin typeface="+mn-lt"/>
-          <a:ea typeface="+mn-ea"/>
-          <a:cs typeface="+mn-cs"/>
-        </a:defRPr>
-      </a:lvl2pPr>
-      <a:lvl3pPr marL="1513103" indent="-302621" algn="l" defTabSz="1210483" rtl="0" eaLnBrk="1" latinLnBrk="0" hangingPunct="1">
-        <a:spcBef>
-          <a:spcPct val="20000"/>
-        </a:spcBef>
-        <a:buFont typeface="Arial" panose="020B0604020202020204" pitchFamily="34" charset="0"/>
-        <a:buChar char="•"/>
-        <a:defRPr sz="3200" kern="1200">
-          <a:solidFill>
-            <a:schemeClr val="tx1"/>
-          </a:solidFill>
-          <a:latin typeface="+mn-lt"/>
-          <a:ea typeface="+mn-ea"/>
-          <a:cs typeface="+mn-cs"/>
-        </a:defRPr>
-      </a:lvl3pPr>
-      <a:lvl4pPr marL="2118345" indent="-302621" algn="l" defTabSz="1210483" rtl="0" eaLnBrk="1" latinLnBrk="0" hangingPunct="1">
-        <a:spcBef>
-          <a:spcPct val="20000"/>
-        </a:spcBef>
-        <a:buFont typeface="Arial" panose="020B0604020202020204" pitchFamily="34" charset="0"/>
-        <a:buChar char="–"/>
-        <a:defRPr sz="2600" kern="1200">
+        <a:defRPr sz="3400" kern="1200">
           <a:solidFill>
             <a:schemeClr val="tx1"/>
           </a:solidFill>
@@ -2908,13 +3345,13 @@
           <a:cs typeface="+mn-cs"/>
         </a:defRPr>
       </a:lvl4pPr>
-      <a:lvl5pPr marL="2723586" indent="-302621" algn="l" defTabSz="1210483" rtl="0" eaLnBrk="1" latinLnBrk="0" hangingPunct="1">
+      <a:lvl5pPr marL="3540662" indent="-393407" algn="l" defTabSz="1573628" rtl="0" eaLnBrk="1" latinLnBrk="0" hangingPunct="1">
         <a:spcBef>
           <a:spcPct val="20000"/>
         </a:spcBef>
         <a:buFont typeface="Arial" panose="020B0604020202020204" pitchFamily="34" charset="0"/>
         <a:buChar char="»"/>
-        <a:defRPr sz="2600" kern="1200">
+        <a:defRPr sz="3400" kern="1200">
           <a:solidFill>
             <a:schemeClr val="tx1"/>
           </a:solidFill>
@@ -2923,13 +3360,13 @@
           <a:cs typeface="+mn-cs"/>
         </a:defRPr>
       </a:lvl5pPr>
-      <a:lvl6pPr marL="3328827" indent="-302621" algn="l" defTabSz="1210483" rtl="0" eaLnBrk="1" latinLnBrk="0" hangingPunct="1">
+      <a:lvl6pPr marL="4327475" indent="-393407" algn="l" defTabSz="1573628" rtl="0" eaLnBrk="1" latinLnBrk="0" hangingPunct="1">
         <a:spcBef>
           <a:spcPct val="20000"/>
         </a:spcBef>
         <a:buFont typeface="Arial" panose="020B0604020202020204" pitchFamily="34" charset="0"/>
         <a:buChar char="•"/>
-        <a:defRPr sz="2600" kern="1200">
+        <a:defRPr sz="3400" kern="1200">
           <a:solidFill>
             <a:schemeClr val="tx1"/>
           </a:solidFill>
@@ -2938,13 +3375,13 @@
           <a:cs typeface="+mn-cs"/>
         </a:defRPr>
       </a:lvl6pPr>
-      <a:lvl7pPr marL="3934069" indent="-302621" algn="l" defTabSz="1210483" rtl="0" eaLnBrk="1" latinLnBrk="0" hangingPunct="1">
+      <a:lvl7pPr marL="5114290" indent="-393407" algn="l" defTabSz="1573628" rtl="0" eaLnBrk="1" latinLnBrk="0" hangingPunct="1">
         <a:spcBef>
           <a:spcPct val="20000"/>
         </a:spcBef>
         <a:buFont typeface="Arial" panose="020B0604020202020204" pitchFamily="34" charset="0"/>
         <a:buChar char="•"/>
-        <a:defRPr sz="2600" kern="1200">
+        <a:defRPr sz="3400" kern="1200">
           <a:solidFill>
             <a:schemeClr val="tx1"/>
           </a:solidFill>
@@ -2953,13 +3390,13 @@
           <a:cs typeface="+mn-cs"/>
         </a:defRPr>
       </a:lvl7pPr>
-      <a:lvl8pPr marL="4539310" indent="-302621" algn="l" defTabSz="1210483" rtl="0" eaLnBrk="1" latinLnBrk="0" hangingPunct="1">
+      <a:lvl8pPr marL="5901103" indent="-393407" algn="l" defTabSz="1573628" rtl="0" eaLnBrk="1" latinLnBrk="0" hangingPunct="1">
         <a:spcBef>
           <a:spcPct val="20000"/>
         </a:spcBef>
         <a:buFont typeface="Arial" panose="020B0604020202020204" pitchFamily="34" charset="0"/>
         <a:buChar char="•"/>
-        <a:defRPr sz="2600" kern="1200">
+        <a:defRPr sz="3400" kern="1200">
           <a:solidFill>
             <a:schemeClr val="tx1"/>
           </a:solidFill>
@@ -2968,13 +3405,13 @@
           <a:cs typeface="+mn-cs"/>
         </a:defRPr>
       </a:lvl8pPr>
-      <a:lvl9pPr marL="5144552" indent="-302621" algn="l" defTabSz="1210483" rtl="0" eaLnBrk="1" latinLnBrk="0" hangingPunct="1">
+      <a:lvl9pPr marL="6687918" indent="-393407" algn="l" defTabSz="1573628" rtl="0" eaLnBrk="1" latinLnBrk="0" hangingPunct="1">
         <a:spcBef>
           <a:spcPct val="20000"/>
         </a:spcBef>
         <a:buFont typeface="Arial" panose="020B0604020202020204" pitchFamily="34" charset="0"/>
         <a:buChar char="•"/>
-        <a:defRPr sz="2600" kern="1200">
+        <a:defRPr sz="3400" kern="1200">
           <a:solidFill>
             <a:schemeClr val="tx1"/>
           </a:solidFill>
@@ -2988,8 +3425,8 @@
       <a:defPPr>
         <a:defRPr lang="en-US"/>
       </a:defPPr>
-      <a:lvl1pPr marL="0" algn="l" defTabSz="1210483" rtl="0" eaLnBrk="1" latinLnBrk="0" hangingPunct="1">
-        <a:defRPr sz="2400" kern="1200">
+      <a:lvl1pPr marL="0" algn="l" defTabSz="1573628" rtl="0" eaLnBrk="1" latinLnBrk="0" hangingPunct="1">
+        <a:defRPr sz="3100" kern="1200">
           <a:solidFill>
             <a:schemeClr val="tx1"/>
           </a:solidFill>
@@ -2998,8 +3435,8 @@
           <a:cs typeface="+mn-cs"/>
         </a:defRPr>
       </a:lvl1pPr>
-      <a:lvl2pPr marL="605241" algn="l" defTabSz="1210483" rtl="0" eaLnBrk="1" latinLnBrk="0" hangingPunct="1">
-        <a:defRPr sz="2400" kern="1200">
+      <a:lvl2pPr marL="786813" algn="l" defTabSz="1573628" rtl="0" eaLnBrk="1" latinLnBrk="0" hangingPunct="1">
+        <a:defRPr sz="3100" kern="1200">
           <a:solidFill>
             <a:schemeClr val="tx1"/>
           </a:solidFill>
@@ -3008,8 +3445,8 @@
           <a:cs typeface="+mn-cs"/>
         </a:defRPr>
       </a:lvl2pPr>
-      <a:lvl3pPr marL="1210483" algn="l" defTabSz="1210483" rtl="0" eaLnBrk="1" latinLnBrk="0" hangingPunct="1">
-        <a:defRPr sz="2400" kern="1200">
+      <a:lvl3pPr marL="1573628" algn="l" defTabSz="1573628" rtl="0" eaLnBrk="1" latinLnBrk="0" hangingPunct="1">
+        <a:defRPr sz="3100" kern="1200">
           <a:solidFill>
             <a:schemeClr val="tx1"/>
           </a:solidFill>
@@ -3018,8 +3455,8 @@
           <a:cs typeface="+mn-cs"/>
         </a:defRPr>
       </a:lvl3pPr>
-      <a:lvl4pPr marL="1815724" algn="l" defTabSz="1210483" rtl="0" eaLnBrk="1" latinLnBrk="0" hangingPunct="1">
-        <a:defRPr sz="2400" kern="1200">
+      <a:lvl4pPr marL="2360441" algn="l" defTabSz="1573628" rtl="0" eaLnBrk="1" latinLnBrk="0" hangingPunct="1">
+        <a:defRPr sz="3100" kern="1200">
           <a:solidFill>
             <a:schemeClr val="tx1"/>
           </a:solidFill>
@@ -3028,8 +3465,8 @@
           <a:cs typeface="+mn-cs"/>
         </a:defRPr>
       </a:lvl4pPr>
-      <a:lvl5pPr marL="2420965" algn="l" defTabSz="1210483" rtl="0" eaLnBrk="1" latinLnBrk="0" hangingPunct="1">
-        <a:defRPr sz="2400" kern="1200">
+      <a:lvl5pPr marL="3147255" algn="l" defTabSz="1573628" rtl="0" eaLnBrk="1" latinLnBrk="0" hangingPunct="1">
+        <a:defRPr sz="3100" kern="1200">
           <a:solidFill>
             <a:schemeClr val="tx1"/>
           </a:solidFill>
@@ -3038,8 +3475,8 @@
           <a:cs typeface="+mn-cs"/>
         </a:defRPr>
       </a:lvl5pPr>
-      <a:lvl6pPr marL="3026207" algn="l" defTabSz="1210483" rtl="0" eaLnBrk="1" latinLnBrk="0" hangingPunct="1">
-        <a:defRPr sz="2400" kern="1200">
+      <a:lvl6pPr marL="3934069" algn="l" defTabSz="1573628" rtl="0" eaLnBrk="1" latinLnBrk="0" hangingPunct="1">
+        <a:defRPr sz="3100" kern="1200">
           <a:solidFill>
             <a:schemeClr val="tx1"/>
           </a:solidFill>
@@ -3048,8 +3485,8 @@
           <a:cs typeface="+mn-cs"/>
         </a:defRPr>
       </a:lvl6pPr>
-      <a:lvl7pPr marL="3631448" algn="l" defTabSz="1210483" rtl="0" eaLnBrk="1" latinLnBrk="0" hangingPunct="1">
-        <a:defRPr sz="2400" kern="1200">
+      <a:lvl7pPr marL="4720882" algn="l" defTabSz="1573628" rtl="0" eaLnBrk="1" latinLnBrk="0" hangingPunct="1">
+        <a:defRPr sz="3100" kern="1200">
           <a:solidFill>
             <a:schemeClr val="tx1"/>
           </a:solidFill>
@@ -3058,8 +3495,8 @@
           <a:cs typeface="+mn-cs"/>
         </a:defRPr>
       </a:lvl7pPr>
-      <a:lvl8pPr marL="4236690" algn="l" defTabSz="1210483" rtl="0" eaLnBrk="1" latinLnBrk="0" hangingPunct="1">
-        <a:defRPr sz="2400" kern="1200">
+      <a:lvl8pPr marL="5507697" algn="l" defTabSz="1573628" rtl="0" eaLnBrk="1" latinLnBrk="0" hangingPunct="1">
+        <a:defRPr sz="3100" kern="1200">
           <a:solidFill>
             <a:schemeClr val="tx1"/>
           </a:solidFill>
@@ -3068,8 +3505,8 @@
           <a:cs typeface="+mn-cs"/>
         </a:defRPr>
       </a:lvl8pPr>
-      <a:lvl9pPr marL="4841931" algn="l" defTabSz="1210483" rtl="0" eaLnBrk="1" latinLnBrk="0" hangingPunct="1">
-        <a:defRPr sz="2400" kern="1200">
+      <a:lvl9pPr marL="6294510" algn="l" defTabSz="1573628" rtl="0" eaLnBrk="1" latinLnBrk="0" hangingPunct="1">
+        <a:defRPr sz="3100" kern="1200">
           <a:solidFill>
             <a:schemeClr val="tx1"/>
           </a:solidFill>
@@ -3100,30 +3537,204 @@
           <a:chExt cx="0" cy="0"/>
         </a:xfrm>
       </p:grpSpPr>
+      <p:pic>
+        <p:nvPicPr>
+          <p:cNvPr id="4" name="Picture 3"/>
+          <p:cNvPicPr>
+            <a:picLocks noChangeAspect="1"/>
+          </p:cNvPicPr>
+          <p:nvPr/>
+        </p:nvPicPr>
+        <p:blipFill rotWithShape="1">
+          <a:blip r:embed="rId3">
+            <a:extLst>
+              <a:ext uri="{28A0092B-C50C-407E-A947-70E740481C1C}">
+                <a14:useLocalDpi xmlns:a14="http://schemas.microsoft.com/office/drawing/2010/main" val="0"/>
+              </a:ext>
+            </a:extLst>
+          </a:blip>
+          <a:srcRect l="8609" t="9563" r="9615" b="10106"/>
+          <a:stretch/>
+        </p:blipFill>
+        <p:spPr>
+          <a:xfrm>
+            <a:off x="193233" y="200495"/>
+            <a:ext cx="4478068" cy="4206240"/>
+          </a:xfrm>
+          <a:prstGeom prst="rect">
+            <a:avLst/>
+          </a:prstGeom>
+        </p:spPr>
+      </p:pic>
+      <p:pic>
+        <p:nvPicPr>
+          <p:cNvPr id="5" name="Picture 4"/>
+          <p:cNvPicPr>
+            <a:picLocks noChangeAspect="1"/>
+          </p:cNvPicPr>
+          <p:nvPr/>
+        </p:nvPicPr>
+        <p:blipFill>
+          <a:blip r:embed="rId4">
+            <a:extLst>
+              <a:ext uri="{28A0092B-C50C-407E-A947-70E740481C1C}">
+                <a14:useLocalDpi xmlns:a14="http://schemas.microsoft.com/office/drawing/2010/main" val="0"/>
+              </a:ext>
+            </a:extLst>
+          </a:blip>
+          <a:stretch>
+            <a:fillRect/>
+          </a:stretch>
+        </p:blipFill>
+        <p:spPr>
+          <a:xfrm>
+            <a:off x="3276600" y="2575474"/>
+            <a:ext cx="1776689" cy="1844126"/>
+          </a:xfrm>
+          <a:prstGeom prst="rect">
+            <a:avLst/>
+          </a:prstGeom>
+        </p:spPr>
+      </p:pic>
       <p:grpSp>
         <p:nvGrpSpPr>
-          <p:cNvPr id="209" name="Group 208"/>
-          <p:cNvGrpSpPr/>
+          <p:cNvPr id="6" name="Group 5"/>
+          <p:cNvGrpSpPr>
+            <a:grpSpLocks noChangeAspect="1"/>
+          </p:cNvGrpSpPr>
           <p:nvPr/>
         </p:nvGrpSpPr>
         <p:grpSpPr>
           <a:xfrm>
-            <a:off x="4005849" y="343004"/>
-            <a:ext cx="5880278" cy="3921514"/>
-            <a:chOff x="4366424" y="2656463"/>
-            <a:chExt cx="5977378" cy="3858289"/>
+            <a:off x="10744200" y="575954"/>
+            <a:ext cx="5486400" cy="3639989"/>
+            <a:chOff x="6310745" y="5219872"/>
+            <a:chExt cx="6315740" cy="4190221"/>
           </a:xfrm>
         </p:grpSpPr>
         <p:pic>
           <p:nvPicPr>
-            <p:cNvPr id="210" name="Picture 209"/>
+            <p:cNvPr id="7" name="Picture 2" descr="E:\Google\metaTracts_tvcg\images\crop-16-image.bmp"/>
+            <p:cNvPicPr>
+              <a:picLocks noChangeAspect="1" noChangeArrowheads="1"/>
+            </p:cNvPicPr>
+            <p:nvPr/>
+          </p:nvPicPr>
+          <p:blipFill rotWithShape="1">
+            <a:blip r:embed="rId5" cstate="print">
+              <a:extLst>
+                <a:ext uri="{28A0092B-C50C-407E-A947-70E740481C1C}">
+                  <a14:useLocalDpi xmlns:a14="http://schemas.microsoft.com/office/drawing/2010/main" val="0"/>
+                </a:ext>
+              </a:extLst>
+            </a:blip>
+            <a:srcRect l="1893" r="1716"/>
+            <a:stretch/>
+          </p:blipFill>
+          <p:spPr bwMode="auto">
+            <a:xfrm flipV="1">
+              <a:off x="6310745" y="5219872"/>
+              <a:ext cx="6315740" cy="3977640"/>
+            </a:xfrm>
+            <a:prstGeom prst="rect">
+              <a:avLst/>
+            </a:prstGeom>
+            <a:ln w="127000">
+              <a:solidFill>
+                <a:schemeClr val="accent5">
+                  <a:lumMod val="75000"/>
+                </a:schemeClr>
+              </a:solidFill>
+              <a:prstDash val="solid"/>
+            </a:ln>
+            <a:extLst>
+              <a:ext uri="{909E8E84-426E-40DD-AFC4-6F175D3DCCD1}">
+                <a14:hiddenFill xmlns:a14="http://schemas.microsoft.com/office/drawing/2010/main">
+                  <a:solidFill>
+                    <a:srgbClr val="FFFFFF"/>
+                  </a:solidFill>
+                </a14:hiddenFill>
+              </a:ext>
+            </a:extLst>
+          </p:spPr>
+        </p:pic>
+        <p:sp>
+          <p:nvSpPr>
+            <p:cNvPr id="8" name="TextBox 7"/>
+            <p:cNvSpPr txBox="1"/>
+            <p:nvPr/>
+          </p:nvSpPr>
+          <p:spPr>
+            <a:xfrm>
+              <a:off x="8049161" y="8366515"/>
+              <a:ext cx="3106339" cy="1043578"/>
+            </a:xfrm>
+            <a:prstGeom prst="rect">
+              <a:avLst/>
+            </a:prstGeom>
+            <a:noFill/>
+            <a:ln w="57150">
+              <a:solidFill>
+                <a:schemeClr val="accent5">
+                  <a:lumMod val="75000"/>
+                </a:schemeClr>
+              </a:solidFill>
+            </a:ln>
+            <a:effectLst>
+              <a:softEdge rad="63500"/>
+            </a:effectLst>
+          </p:spPr>
+          <p:txBody>
+            <a:bodyPr wrap="square" rtlCol="0">
+              <a:spAutoFit/>
+            </a:bodyPr>
+            <a:lstStyle/>
+            <a:p>
+              <a:r>
+                <a:rPr lang="en-US" sz="4800" dirty="0">
+                  <a:solidFill>
+                    <a:schemeClr val="bg1"/>
+                  </a:solidFill>
+                  <a:effectLst>
+                    <a:glow rad="101600">
+                      <a:schemeClr val="tx1">
+                        <a:alpha val="60000"/>
+                      </a:schemeClr>
+                    </a:glow>
+                  </a:effectLst>
+                </a:rPr>
+                <a:t>XY Plane</a:t>
+              </a:r>
+            </a:p>
+          </p:txBody>
+        </p:sp>
+      </p:grpSp>
+      <p:grpSp>
+        <p:nvGrpSpPr>
+          <p:cNvPr id="9" name="Group 8"/>
+          <p:cNvGrpSpPr>
+            <a:grpSpLocks noChangeAspect="1"/>
+          </p:cNvGrpSpPr>
+          <p:nvPr/>
+        </p:nvGrpSpPr>
+        <p:grpSpPr>
+          <a:xfrm>
+            <a:off x="4953000" y="520280"/>
+            <a:ext cx="5486400" cy="3566669"/>
+            <a:chOff x="5097920" y="2656467"/>
+            <a:chExt cx="5245879" cy="3300817"/>
+          </a:xfrm>
+        </p:grpSpPr>
+        <p:pic>
+          <p:nvPicPr>
+            <p:cNvPr id="10" name="Picture 9"/>
             <p:cNvPicPr>
               <a:picLocks noChangeAspect="1"/>
             </p:cNvPicPr>
             <p:nvPr/>
           </p:nvPicPr>
           <p:blipFill rotWithShape="1">
-            <a:blip r:embed="rId2">
+            <a:blip r:embed="rId6">
               <a:extLst>
                 <a:ext uri="{28A0092B-C50C-407E-A947-70E740481C1C}">
                   <a14:useLocalDpi xmlns:a14="http://schemas.microsoft.com/office/drawing/2010/main" val="0"/>
@@ -3135,8 +3746,8 @@
           </p:blipFill>
           <p:spPr>
             <a:xfrm rot="5400000">
-              <a:off x="5474567" y="1548320"/>
-              <a:ext cx="3761091" cy="5977378"/>
+              <a:off x="6070451" y="1683936"/>
+              <a:ext cx="3300817" cy="5245879"/>
             </a:xfrm>
             <a:prstGeom prst="rect">
               <a:avLst/>
@@ -3151,13 +3762,13 @@
         </p:pic>
         <p:sp>
           <p:nvSpPr>
-            <p:cNvPr id="211" name="TextBox 210"/>
+            <p:cNvPr id="11" name="TextBox 10"/>
             <p:cNvSpPr txBox="1"/>
             <p:nvPr/>
           </p:nvSpPr>
           <p:spPr>
             <a:xfrm>
-              <a:off x="6065836" y="5697153"/>
+              <a:off x="6277965" y="5139685"/>
               <a:ext cx="2885787" cy="817599"/>
             </a:xfrm>
             <a:prstGeom prst="rect">
@@ -3200,508 +3811,10 @@
           </p:txBody>
         </p:sp>
       </p:grpSp>
-      <p:grpSp>
-        <p:nvGrpSpPr>
-          <p:cNvPr id="212" name="Group 211"/>
-          <p:cNvGrpSpPr/>
-          <p:nvPr/>
-        </p:nvGrpSpPr>
-        <p:grpSpPr>
-          <a:xfrm>
-            <a:off x="-40904" y="406548"/>
-            <a:ext cx="3659521" cy="3558206"/>
-            <a:chOff x="116534" y="1939231"/>
-            <a:chExt cx="3674187" cy="3572466"/>
-          </a:xfrm>
-        </p:grpSpPr>
-        <p:pic>
-          <p:nvPicPr>
-            <p:cNvPr id="213" name="Picture 212"/>
-            <p:cNvPicPr>
-              <a:picLocks noChangeAspect="1"/>
-            </p:cNvPicPr>
-            <p:nvPr/>
-          </p:nvPicPr>
-          <p:blipFill rotWithShape="1">
-            <a:blip r:embed="rId3">
-              <a:extLst>
-                <a:ext uri="{28A0092B-C50C-407E-A947-70E740481C1C}">
-                  <a14:useLocalDpi xmlns:a14="http://schemas.microsoft.com/office/drawing/2010/main" val="0"/>
-                </a:ext>
-              </a:extLst>
-            </a:blip>
-            <a:srcRect l="8609" t="9563" r="9615" b="10106"/>
-            <a:stretch/>
-          </p:blipFill>
-          <p:spPr>
-            <a:xfrm>
-              <a:off x="116534" y="2060542"/>
-              <a:ext cx="3674187" cy="3451155"/>
-            </a:xfrm>
-            <a:prstGeom prst="rect">
-              <a:avLst/>
-            </a:prstGeom>
-          </p:spPr>
-        </p:pic>
-        <p:grpSp>
-          <p:nvGrpSpPr>
-            <p:cNvPr id="214" name="Group 213"/>
-            <p:cNvGrpSpPr>
-              <a:grpSpLocks noChangeAspect="1"/>
-            </p:cNvGrpSpPr>
-            <p:nvPr/>
-          </p:nvGrpSpPr>
-          <p:grpSpPr>
-            <a:xfrm>
-              <a:off x="918695" y="1939231"/>
-              <a:ext cx="1957626" cy="3445012"/>
-              <a:chOff x="3477317" y="1289008"/>
-              <a:chExt cx="4070699" cy="7163575"/>
-            </a:xfrm>
-          </p:grpSpPr>
-          <p:cxnSp>
-            <p:nvCxnSpPr>
-              <p:cNvPr id="216" name="Straight Connector 215"/>
-              <p:cNvCxnSpPr/>
-              <p:nvPr/>
-            </p:nvCxnSpPr>
-            <p:spPr>
-              <a:xfrm flipV="1">
-                <a:off x="3519756" y="1289008"/>
-                <a:ext cx="4028260" cy="4171546"/>
-              </a:xfrm>
-              <a:prstGeom prst="line">
-                <a:avLst/>
-              </a:prstGeom>
-              <a:ln w="127000" cap="rnd">
-                <a:solidFill>
-                  <a:srgbClr val="66C2A4"/>
-                </a:solidFill>
-                <a:round/>
-              </a:ln>
-            </p:spPr>
-            <p:style>
-              <a:lnRef idx="1">
-                <a:schemeClr val="accent1"/>
-              </a:lnRef>
-              <a:fillRef idx="0">
-                <a:schemeClr val="accent1"/>
-              </a:fillRef>
-              <a:effectRef idx="0">
-                <a:schemeClr val="accent1"/>
-              </a:effectRef>
-              <a:fontRef idx="minor">
-                <a:schemeClr val="tx1"/>
-              </a:fontRef>
-            </p:style>
-          </p:cxnSp>
-          <p:cxnSp>
-            <p:nvCxnSpPr>
-              <p:cNvPr id="217" name="Straight Connector 216"/>
-              <p:cNvCxnSpPr/>
-              <p:nvPr/>
-            </p:nvCxnSpPr>
-            <p:spPr>
-              <a:xfrm flipV="1">
-                <a:off x="3477317" y="5460554"/>
-                <a:ext cx="42438" cy="2992029"/>
-              </a:xfrm>
-              <a:prstGeom prst="line">
-                <a:avLst/>
-              </a:prstGeom>
-              <a:ln w="127000" cap="rnd">
-                <a:solidFill>
-                  <a:srgbClr val="66C2A4"/>
-                </a:solidFill>
-                <a:round/>
-              </a:ln>
-            </p:spPr>
-            <p:style>
-              <a:lnRef idx="1">
-                <a:schemeClr val="accent1"/>
-              </a:lnRef>
-              <a:fillRef idx="0">
-                <a:schemeClr val="accent1"/>
-              </a:fillRef>
-              <a:effectRef idx="0">
-                <a:schemeClr val="accent1"/>
-              </a:effectRef>
-              <a:fontRef idx="minor">
-                <a:schemeClr val="tx1"/>
-              </a:fontRef>
-            </p:style>
-          </p:cxnSp>
-          <p:cxnSp>
-            <p:nvCxnSpPr>
-              <p:cNvPr id="218" name="Straight Connector 217"/>
-              <p:cNvCxnSpPr/>
-              <p:nvPr/>
-            </p:nvCxnSpPr>
-            <p:spPr>
-              <a:xfrm flipH="1" flipV="1">
-                <a:off x="7535650" y="1289008"/>
-                <a:ext cx="12366" cy="585743"/>
-              </a:xfrm>
-              <a:prstGeom prst="line">
-                <a:avLst/>
-              </a:prstGeom>
-              <a:ln w="127000" cap="rnd">
-                <a:solidFill>
-                  <a:srgbClr val="66C2A4"/>
-                </a:solidFill>
-                <a:round/>
-              </a:ln>
-            </p:spPr>
-            <p:style>
-              <a:lnRef idx="1">
-                <a:schemeClr val="accent1"/>
-              </a:lnRef>
-              <a:fillRef idx="0">
-                <a:schemeClr val="accent1"/>
-              </a:fillRef>
-              <a:effectRef idx="0">
-                <a:schemeClr val="accent1"/>
-              </a:effectRef>
-              <a:fontRef idx="minor">
-                <a:schemeClr val="tx1"/>
-              </a:fontRef>
-            </p:style>
-          </p:cxnSp>
-        </p:grpSp>
-        <p:cxnSp>
-          <p:nvCxnSpPr>
-            <p:cNvPr id="215" name="Straight Connector 214"/>
-            <p:cNvCxnSpPr/>
-            <p:nvPr/>
-          </p:nvCxnSpPr>
-          <p:spPr>
-            <a:xfrm flipV="1">
-              <a:off x="939104" y="5223288"/>
-              <a:ext cx="155428" cy="160957"/>
-            </a:xfrm>
-            <a:prstGeom prst="line">
-              <a:avLst/>
-            </a:prstGeom>
-            <a:ln w="127000" cap="rnd">
-              <a:solidFill>
-                <a:srgbClr val="66C2A4"/>
-              </a:solidFill>
-              <a:round/>
-            </a:ln>
-          </p:spPr>
-          <p:style>
-            <a:lnRef idx="1">
-              <a:schemeClr val="accent1"/>
-            </a:lnRef>
-            <a:fillRef idx="0">
-              <a:schemeClr val="accent1"/>
-            </a:fillRef>
-            <a:effectRef idx="0">
-              <a:schemeClr val="accent1"/>
-            </a:effectRef>
-            <a:fontRef idx="minor">
-              <a:schemeClr val="tx1"/>
-            </a:fontRef>
-          </p:style>
-        </p:cxnSp>
-      </p:grpSp>
-      <p:pic>
-        <p:nvPicPr>
-          <p:cNvPr id="219" name="Picture 218"/>
-          <p:cNvPicPr>
-            <a:picLocks noChangeAspect="1"/>
-          </p:cNvPicPr>
-          <p:nvPr/>
-        </p:nvPicPr>
-        <p:blipFill>
-          <a:blip r:embed="rId4">
-            <a:extLst>
-              <a:ext uri="{28A0092B-C50C-407E-A947-70E740481C1C}">
-                <a14:useLocalDpi xmlns:a14="http://schemas.microsoft.com/office/drawing/2010/main" val="0"/>
-              </a:ext>
-            </a:extLst>
-          </a:blip>
-          <a:stretch>
-            <a:fillRect/>
-          </a:stretch>
-        </p:blipFill>
-        <p:spPr>
-          <a:xfrm>
-            <a:off x="1905000" y="3585665"/>
-            <a:ext cx="1342591" cy="1393550"/>
-          </a:xfrm>
-          <a:prstGeom prst="rect">
-            <a:avLst/>
-          </a:prstGeom>
-        </p:spPr>
-      </p:pic>
-      <p:pic>
-        <p:nvPicPr>
-          <p:cNvPr id="220" name="Picture 2" descr="E:\Google\metaTracts_tvcg\images\crop-16-image.bmp"/>
-          <p:cNvPicPr>
-            <a:picLocks noChangeAspect="1" noChangeArrowheads="1"/>
-          </p:cNvPicPr>
-          <p:nvPr/>
-        </p:nvPicPr>
-        <p:blipFill rotWithShape="1">
-          <a:blip r:embed="rId5">
-            <a:extLst>
-              <a:ext uri="{28A0092B-C50C-407E-A947-70E740481C1C}">
-                <a14:useLocalDpi xmlns:a14="http://schemas.microsoft.com/office/drawing/2010/main" val="0"/>
-              </a:ext>
-            </a:extLst>
-          </a:blip>
-          <a:srcRect l="1893" r="1716"/>
-          <a:stretch/>
-        </p:blipFill>
-        <p:spPr bwMode="auto">
-          <a:xfrm flipV="1">
-            <a:off x="10295861" y="304800"/>
-            <a:ext cx="6315739" cy="3977640"/>
-          </a:xfrm>
-          <a:prstGeom prst="rect">
-            <a:avLst/>
-          </a:prstGeom>
-          <a:ln w="127000">
-            <a:solidFill>
-              <a:schemeClr val="accent5">
-                <a:lumMod val="75000"/>
-              </a:schemeClr>
-            </a:solidFill>
-            <a:prstDash val="solid"/>
-          </a:ln>
-          <a:extLst>
-            <a:ext uri="{909E8E84-426E-40DD-AFC4-6F175D3DCCD1}">
-              <a14:hiddenFill xmlns:a14="http://schemas.microsoft.com/office/drawing/2010/main">
-                <a:solidFill>
-                  <a:srgbClr val="FFFFFF"/>
-                </a:solidFill>
-              </a14:hiddenFill>
-            </a:ext>
-          </a:extLst>
-        </p:spPr>
-      </p:pic>
-      <p:cxnSp>
-        <p:nvCxnSpPr>
-          <p:cNvPr id="221" name="Straight Connector 220"/>
-          <p:cNvCxnSpPr/>
-          <p:nvPr/>
-        </p:nvCxnSpPr>
-        <p:spPr>
-          <a:xfrm>
-            <a:off x="568696" y="815256"/>
-            <a:ext cx="2219963" cy="1408503"/>
-          </a:xfrm>
-          <a:prstGeom prst="line">
-            <a:avLst/>
-          </a:prstGeom>
-          <a:ln w="127000">
-            <a:solidFill>
-              <a:schemeClr val="accent5">
-                <a:lumMod val="75000"/>
-              </a:schemeClr>
-            </a:solidFill>
-            <a:prstDash val="solid"/>
-          </a:ln>
-        </p:spPr>
-        <p:style>
-          <a:lnRef idx="1">
-            <a:schemeClr val="accent1"/>
-          </a:lnRef>
-          <a:fillRef idx="0">
-            <a:schemeClr val="accent1"/>
-          </a:fillRef>
-          <a:effectRef idx="0">
-            <a:schemeClr val="accent1"/>
-          </a:effectRef>
-          <a:fontRef idx="minor">
-            <a:schemeClr val="tx1"/>
-          </a:fontRef>
-        </p:style>
-      </p:cxnSp>
-      <p:cxnSp>
-        <p:nvCxnSpPr>
-          <p:cNvPr id="222" name="Straight Connector 221"/>
-          <p:cNvCxnSpPr/>
-          <p:nvPr/>
-        </p:nvCxnSpPr>
-        <p:spPr>
-          <a:xfrm flipV="1">
-            <a:off x="2704217" y="2223760"/>
-            <a:ext cx="20327" cy="1433144"/>
-          </a:xfrm>
-          <a:prstGeom prst="line">
-            <a:avLst/>
-          </a:prstGeom>
-          <a:ln w="127000" cap="rnd">
-            <a:solidFill>
-              <a:schemeClr val="accent5">
-                <a:lumMod val="75000"/>
-              </a:schemeClr>
-            </a:solidFill>
-            <a:round/>
-          </a:ln>
-        </p:spPr>
-        <p:style>
-          <a:lnRef idx="1">
-            <a:schemeClr val="accent1"/>
-          </a:lnRef>
-          <a:fillRef idx="0">
-            <a:schemeClr val="accent1"/>
-          </a:fillRef>
-          <a:effectRef idx="0">
-            <a:schemeClr val="accent1"/>
-          </a:effectRef>
-          <a:fontRef idx="minor">
-            <a:schemeClr val="tx1"/>
-          </a:fontRef>
-        </p:style>
-      </p:cxnSp>
-      <p:cxnSp>
-        <p:nvCxnSpPr>
-          <p:cNvPr id="223" name="Straight Connector 222"/>
-          <p:cNvCxnSpPr/>
-          <p:nvPr/>
-        </p:nvCxnSpPr>
-        <p:spPr>
-          <a:xfrm flipV="1">
-            <a:off x="570617" y="847313"/>
-            <a:ext cx="20327" cy="817755"/>
-          </a:xfrm>
-          <a:prstGeom prst="line">
-            <a:avLst/>
-          </a:prstGeom>
-          <a:ln w="127000" cap="rnd">
-            <a:solidFill>
-              <a:schemeClr val="accent5">
-                <a:lumMod val="75000"/>
-              </a:schemeClr>
-            </a:solidFill>
-            <a:round/>
-          </a:ln>
-        </p:spPr>
-        <p:style>
-          <a:lnRef idx="1">
-            <a:schemeClr val="accent1"/>
-          </a:lnRef>
-          <a:fillRef idx="0">
-            <a:schemeClr val="accent1"/>
-          </a:fillRef>
-          <a:effectRef idx="0">
-            <a:schemeClr val="accent1"/>
-          </a:effectRef>
-          <a:fontRef idx="minor">
-            <a:schemeClr val="tx1"/>
-          </a:fontRef>
-        </p:style>
-      </p:cxnSp>
-      <p:cxnSp>
-        <p:nvCxnSpPr>
-          <p:cNvPr id="224" name="Straight Connector 223"/>
-          <p:cNvCxnSpPr/>
-          <p:nvPr/>
-        </p:nvCxnSpPr>
-        <p:spPr>
-          <a:xfrm flipH="1" flipV="1">
-            <a:off x="2323217" y="3443060"/>
-            <a:ext cx="381000" cy="234438"/>
-          </a:xfrm>
-          <a:prstGeom prst="line">
-            <a:avLst/>
-          </a:prstGeom>
-          <a:ln w="127000" cap="rnd">
-            <a:solidFill>
-              <a:schemeClr val="accent5">
-                <a:lumMod val="75000"/>
-              </a:schemeClr>
-            </a:solidFill>
-            <a:round/>
-          </a:ln>
-        </p:spPr>
-        <p:style>
-          <a:lnRef idx="1">
-            <a:schemeClr val="accent1"/>
-          </a:lnRef>
-          <a:fillRef idx="0">
-            <a:schemeClr val="accent1"/>
-          </a:fillRef>
-          <a:effectRef idx="0">
-            <a:schemeClr val="accent1"/>
-          </a:effectRef>
-          <a:fontRef idx="minor">
-            <a:schemeClr val="tx1"/>
-          </a:fontRef>
-        </p:style>
-      </p:cxnSp>
-      <p:sp>
-        <p:nvSpPr>
-          <p:cNvPr id="225" name="TextBox 224"/>
-          <p:cNvSpPr txBox="1"/>
-          <p:nvPr/>
-        </p:nvSpPr>
-        <p:spPr>
-          <a:xfrm>
-            <a:off x="12027347" y="3342154"/>
-            <a:ext cx="2838909" cy="830997"/>
-          </a:xfrm>
-          <a:prstGeom prst="rect">
-            <a:avLst/>
-          </a:prstGeom>
-          <a:noFill/>
-          <a:ln w="57150">
-            <a:solidFill>
-              <a:schemeClr val="accent5">
-                <a:lumMod val="75000"/>
-              </a:schemeClr>
-            </a:solidFill>
-          </a:ln>
-          <a:effectLst>
-            <a:softEdge rad="63500"/>
-          </a:effectLst>
-        </p:spPr>
-        <p:txBody>
-          <a:bodyPr wrap="square" rtlCol="0">
-            <a:spAutoFit/>
-          </a:bodyPr>
-          <a:lstStyle/>
-          <a:p>
-            <a:r>
-              <a:rPr lang="en-US" sz="4800" dirty="0">
-                <a:solidFill>
-                  <a:schemeClr val="bg1"/>
-                </a:solidFill>
-                <a:effectLst>
-                  <a:glow rad="101600">
-                    <a:schemeClr val="tx1">
-                      <a:alpha val="60000"/>
-                    </a:schemeClr>
-                  </a:glow>
-                </a:effectLst>
-              </a:rPr>
-              <a:t>XY </a:t>
-            </a:r>
-            <a:r>
-              <a:rPr lang="en-US" sz="4800" dirty="0">
-                <a:solidFill>
-                  <a:schemeClr val="bg1"/>
-                </a:solidFill>
-                <a:effectLst>
-                  <a:glow rad="101600">
-                    <a:schemeClr val="tx1">
-                      <a:alpha val="60000"/>
-                    </a:schemeClr>
-                  </a:glow>
-                </a:effectLst>
-              </a:rPr>
-              <a:t>Plane</a:t>
-            </a:r>
-          </a:p>
-        </p:txBody>
-      </p:sp>
     </p:spTree>
     <p:extLst>
       <p:ext uri="{BB962C8B-B14F-4D97-AF65-F5344CB8AC3E}">
-        <p14:creationId xmlns:p14="http://schemas.microsoft.com/office/powerpoint/2010/main" val="624523451"/>
+        <p14:creationId xmlns:p14="http://schemas.microsoft.com/office/powerpoint/2010/main" val="2753981488"/>
       </p:ext>
     </p:extLst>
   </p:cSld>
@@ -3994,4 +4107,289 @@
   <a:objectDefaults/>
   <a:extraClrSchemeLst/>
 </a:theme>
+</file>
+
+<file path=ppt/theme/theme2.xml><?xml version="1.0" encoding="utf-8"?>
+<a:theme xmlns:a="http://schemas.openxmlformats.org/drawingml/2006/main" name="Office Theme">
+  <a:themeElements>
+    <a:clrScheme name="Office">
+      <a:dk1>
+        <a:sysClr val="windowText" lastClr="000000"/>
+      </a:dk1>
+      <a:lt1>
+        <a:sysClr val="window" lastClr="FFFFFF"/>
+      </a:lt1>
+      <a:dk2>
+        <a:srgbClr val="1F497D"/>
+      </a:dk2>
+      <a:lt2>
+        <a:srgbClr val="EEECE1"/>
+      </a:lt2>
+      <a:accent1>
+        <a:srgbClr val="4F81BD"/>
+      </a:accent1>
+      <a:accent2>
+        <a:srgbClr val="C0504D"/>
+      </a:accent2>
+      <a:accent3>
+        <a:srgbClr val="9BBB59"/>
+      </a:accent3>
+      <a:accent4>
+        <a:srgbClr val="8064A2"/>
+      </a:accent4>
+      <a:accent5>
+        <a:srgbClr val="4BACC6"/>
+      </a:accent5>
+      <a:accent6>
+        <a:srgbClr val="F79646"/>
+      </a:accent6>
+      <a:hlink>
+        <a:srgbClr val="0000FF"/>
+      </a:hlink>
+      <a:folHlink>
+        <a:srgbClr val="800080"/>
+      </a:folHlink>
+    </a:clrScheme>
+    <a:fontScheme name="Office">
+      <a:majorFont>
+        <a:latin typeface="Calibri"/>
+        <a:ea typeface=""/>
+        <a:cs typeface=""/>
+        <a:font script="Jpan" typeface="ＭＳ Ｐゴシック"/>
+        <a:font script="Hang" typeface="맑은 고딕"/>
+        <a:font script="Hans" typeface="宋体"/>
+        <a:font script="Hant" typeface="新細明體"/>
+        <a:font script="Arab" typeface="Times New Roman"/>
+        <a:font script="Hebr" typeface="Times New Roman"/>
+        <a:font script="Thai" typeface="Angsana New"/>
+        <a:font script="Ethi" typeface="Nyala"/>
+        <a:font script="Beng" typeface="Vrinda"/>
+        <a:font script="Gujr" typeface="Shruti"/>
+        <a:font script="Khmr" typeface="MoolBoran"/>
+        <a:font script="Knda" typeface="Tunga"/>
+        <a:font script="Guru" typeface="Raavi"/>
+        <a:font script="Cans" typeface="Euphemia"/>
+        <a:font script="Cher" typeface="Plantagenet Cherokee"/>
+        <a:font script="Yiii" typeface="Microsoft Yi Baiti"/>
+        <a:font script="Tibt" typeface="Microsoft Himalaya"/>
+        <a:font script="Thaa" typeface="MV Boli"/>
+        <a:font script="Deva" typeface="Mangal"/>
+        <a:font script="Telu" typeface="Gautami"/>
+        <a:font script="Taml" typeface="Latha"/>
+        <a:font script="Syrc" typeface="Estrangelo Edessa"/>
+        <a:font script="Orya" typeface="Kalinga"/>
+        <a:font script="Mlym" typeface="Kartika"/>
+        <a:font script="Laoo" typeface="DokChampa"/>
+        <a:font script="Sinh" typeface="Iskoola Pota"/>
+        <a:font script="Mong" typeface="Mongolian Baiti"/>
+        <a:font script="Viet" typeface="Times New Roman"/>
+        <a:font script="Uigh" typeface="Microsoft Uighur"/>
+        <a:font script="Geor" typeface="Sylfaen"/>
+      </a:majorFont>
+      <a:minorFont>
+        <a:latin typeface="Calibri"/>
+        <a:ea typeface=""/>
+        <a:cs typeface=""/>
+        <a:font script="Jpan" typeface="ＭＳ Ｐゴシック"/>
+        <a:font script="Hang" typeface="맑은 고딕"/>
+        <a:font script="Hans" typeface="宋体"/>
+        <a:font script="Hant" typeface="新細明體"/>
+        <a:font script="Arab" typeface="Arial"/>
+        <a:font script="Hebr" typeface="Arial"/>
+        <a:font script="Thai" typeface="Cordia New"/>
+        <a:font script="Ethi" typeface="Nyala"/>
+        <a:font script="Beng" typeface="Vrinda"/>
+        <a:font script="Gujr" typeface="Shruti"/>
+        <a:font script="Khmr" typeface="DaunPenh"/>
+        <a:font script="Knda" typeface="Tunga"/>
+        <a:font script="Guru" typeface="Raavi"/>
+        <a:font script="Cans" typeface="Euphemia"/>
+        <a:font script="Cher" typeface="Plantagenet Cherokee"/>
+        <a:font script="Yiii" typeface="Microsoft Yi Baiti"/>
+        <a:font script="Tibt" typeface="Microsoft Himalaya"/>
+        <a:font script="Thaa" typeface="MV Boli"/>
+        <a:font script="Deva" typeface="Mangal"/>
+        <a:font script="Telu" typeface="Gautami"/>
+        <a:font script="Taml" typeface="Latha"/>
+        <a:font script="Syrc" typeface="Estrangelo Edessa"/>
+        <a:font script="Orya" typeface="Kalinga"/>
+        <a:font script="Mlym" typeface="Kartika"/>
+        <a:font script="Laoo" typeface="DokChampa"/>
+        <a:font script="Sinh" typeface="Iskoola Pota"/>
+        <a:font script="Mong" typeface="Mongolian Baiti"/>
+        <a:font script="Viet" typeface="Arial"/>
+        <a:font script="Uigh" typeface="Microsoft Uighur"/>
+        <a:font script="Geor" typeface="Sylfaen"/>
+      </a:minorFont>
+    </a:fontScheme>
+    <a:fmtScheme name="Office">
+      <a:fillStyleLst>
+        <a:solidFill>
+          <a:schemeClr val="phClr"/>
+        </a:solidFill>
+        <a:gradFill rotWithShape="1">
+          <a:gsLst>
+            <a:gs pos="0">
+              <a:schemeClr val="phClr">
+                <a:tint val="50000"/>
+                <a:satMod val="300000"/>
+              </a:schemeClr>
+            </a:gs>
+            <a:gs pos="35000">
+              <a:schemeClr val="phClr">
+                <a:tint val="37000"/>
+                <a:satMod val="300000"/>
+              </a:schemeClr>
+            </a:gs>
+            <a:gs pos="100000">
+              <a:schemeClr val="phClr">
+                <a:tint val="15000"/>
+                <a:satMod val="350000"/>
+              </a:schemeClr>
+            </a:gs>
+          </a:gsLst>
+          <a:lin ang="16200000" scaled="1"/>
+        </a:gradFill>
+        <a:gradFill rotWithShape="1">
+          <a:gsLst>
+            <a:gs pos="0">
+              <a:schemeClr val="phClr">
+                <a:shade val="51000"/>
+                <a:satMod val="130000"/>
+              </a:schemeClr>
+            </a:gs>
+            <a:gs pos="80000">
+              <a:schemeClr val="phClr">
+                <a:shade val="93000"/>
+                <a:satMod val="130000"/>
+              </a:schemeClr>
+            </a:gs>
+            <a:gs pos="100000">
+              <a:schemeClr val="phClr">
+                <a:shade val="94000"/>
+                <a:satMod val="135000"/>
+              </a:schemeClr>
+            </a:gs>
+          </a:gsLst>
+          <a:lin ang="16200000" scaled="0"/>
+        </a:gradFill>
+      </a:fillStyleLst>
+      <a:lnStyleLst>
+        <a:ln w="9525" cap="flat" cmpd="sng" algn="ctr">
+          <a:solidFill>
+            <a:schemeClr val="phClr">
+              <a:shade val="95000"/>
+              <a:satMod val="105000"/>
+            </a:schemeClr>
+          </a:solidFill>
+          <a:prstDash val="solid"/>
+        </a:ln>
+        <a:ln w="25400" cap="flat" cmpd="sng" algn="ctr">
+          <a:solidFill>
+            <a:schemeClr val="phClr"/>
+          </a:solidFill>
+          <a:prstDash val="solid"/>
+        </a:ln>
+        <a:ln w="38100" cap="flat" cmpd="sng" algn="ctr">
+          <a:solidFill>
+            <a:schemeClr val="phClr"/>
+          </a:solidFill>
+          <a:prstDash val="solid"/>
+        </a:ln>
+      </a:lnStyleLst>
+      <a:effectStyleLst>
+        <a:effectStyle>
+          <a:effectLst>
+            <a:outerShdw blurRad="40000" dist="20000" dir="5400000" rotWithShape="0">
+              <a:srgbClr val="000000">
+                <a:alpha val="38000"/>
+              </a:srgbClr>
+            </a:outerShdw>
+          </a:effectLst>
+        </a:effectStyle>
+        <a:effectStyle>
+          <a:effectLst>
+            <a:outerShdw blurRad="40000" dist="23000" dir="5400000" rotWithShape="0">
+              <a:srgbClr val="000000">
+                <a:alpha val="35000"/>
+              </a:srgbClr>
+            </a:outerShdw>
+          </a:effectLst>
+        </a:effectStyle>
+        <a:effectStyle>
+          <a:effectLst>
+            <a:outerShdw blurRad="40000" dist="23000" dir="5400000" rotWithShape="0">
+              <a:srgbClr val="000000">
+                <a:alpha val="35000"/>
+              </a:srgbClr>
+            </a:outerShdw>
+          </a:effectLst>
+          <a:scene3d>
+            <a:camera prst="orthographicFront">
+              <a:rot lat="0" lon="0" rev="0"/>
+            </a:camera>
+            <a:lightRig rig="threePt" dir="t">
+              <a:rot lat="0" lon="0" rev="1200000"/>
+            </a:lightRig>
+          </a:scene3d>
+          <a:sp3d>
+            <a:bevelT w="63500" h="25400"/>
+          </a:sp3d>
+        </a:effectStyle>
+      </a:effectStyleLst>
+      <a:bgFillStyleLst>
+        <a:solidFill>
+          <a:schemeClr val="phClr"/>
+        </a:solidFill>
+        <a:gradFill rotWithShape="1">
+          <a:gsLst>
+            <a:gs pos="0">
+              <a:schemeClr val="phClr">
+                <a:tint val="40000"/>
+                <a:satMod val="350000"/>
+              </a:schemeClr>
+            </a:gs>
+            <a:gs pos="40000">
+              <a:schemeClr val="phClr">
+                <a:tint val="45000"/>
+                <a:shade val="99000"/>
+                <a:satMod val="350000"/>
+              </a:schemeClr>
+            </a:gs>
+            <a:gs pos="100000">
+              <a:schemeClr val="phClr">
+                <a:shade val="20000"/>
+                <a:satMod val="255000"/>
+              </a:schemeClr>
+            </a:gs>
+          </a:gsLst>
+          <a:path path="circle">
+            <a:fillToRect l="50000" t="-80000" r="50000" b="180000"/>
+          </a:path>
+        </a:gradFill>
+        <a:gradFill rotWithShape="1">
+          <a:gsLst>
+            <a:gs pos="0">
+              <a:schemeClr val="phClr">
+                <a:tint val="80000"/>
+                <a:satMod val="300000"/>
+              </a:schemeClr>
+            </a:gs>
+            <a:gs pos="100000">
+              <a:schemeClr val="phClr">
+                <a:shade val="30000"/>
+                <a:satMod val="200000"/>
+              </a:schemeClr>
+            </a:gs>
+          </a:gsLst>
+          <a:path path="circle">
+            <a:fillToRect l="50000" t="50000" r="50000" b="50000"/>
+          </a:path>
+        </a:gradFill>
+      </a:bgFillStyleLst>
+    </a:fmtScheme>
+  </a:themeElements>
+  <a:objectDefaults/>
+  <a:extraClrSchemeLst/>
+</a:theme>
 </file>
--- a/images/metaTracts.pptx
+++ b/images/metaTracts.pptx
@@ -192,7 +192,7 @@
           <a:p>
             <a:fld id="{56C861FA-61B2-4F24-B6B9-342F70777D42}" type="datetimeFigureOut">
               <a:rPr lang="en-US" smtClean="0"/>
-              <a:t>6/15/2015</a:t>
+              <a:t>6/22/2015</a:t>
             </a:fld>
             <a:endParaRPr lang="en-US"/>
           </a:p>
@@ -351,7 +351,7 @@
           <a:p>
             <a:fld id="{D8D2869B-1468-45B5-BC1B-0F621F33782D}" type="slidenum">
               <a:rPr lang="en-US" smtClean="0"/>
-              <a:t>‹#›</a:t>
+              <a:t>‹Nr.›</a:t>
             </a:fld>
             <a:endParaRPr lang="en-US"/>
           </a:p>
@@ -725,7 +725,7 @@
           <a:p>
             <a:fld id="{B5AD80BF-DA2F-4C08-95E5-203EBFB060C0}" type="datetimeFigureOut">
               <a:rPr lang="en-US" smtClean="0"/>
-              <a:t>6/15/2015</a:t>
+              <a:t>6/22/2015</a:t>
             </a:fld>
             <a:endParaRPr lang="en-US"/>
           </a:p>
@@ -767,7 +767,7 @@
           <a:p>
             <a:fld id="{D4ED0ADE-FFA8-4254-9D35-3A5A634A6955}" type="slidenum">
               <a:rPr lang="en-US" smtClean="0"/>
-              <a:t>‹#›</a:t>
+              <a:t>‹Nr.›</a:t>
             </a:fld>
             <a:endParaRPr lang="en-US"/>
           </a:p>
@@ -895,7 +895,7 @@
           <a:p>
             <a:fld id="{B5AD80BF-DA2F-4C08-95E5-203EBFB060C0}" type="datetimeFigureOut">
               <a:rPr lang="en-US" smtClean="0"/>
-              <a:t>6/15/2015</a:t>
+              <a:t>6/22/2015</a:t>
             </a:fld>
             <a:endParaRPr lang="en-US"/>
           </a:p>
@@ -937,7 +937,7 @@
           <a:p>
             <a:fld id="{D4ED0ADE-FFA8-4254-9D35-3A5A634A6955}" type="slidenum">
               <a:rPr lang="en-US" smtClean="0"/>
-              <a:t>‹#›</a:t>
+              <a:t>‹Nr.›</a:t>
             </a:fld>
             <a:endParaRPr lang="en-US"/>
           </a:p>
@@ -1075,7 +1075,7 @@
           <a:p>
             <a:fld id="{B5AD80BF-DA2F-4C08-95E5-203EBFB060C0}" type="datetimeFigureOut">
               <a:rPr lang="en-US" smtClean="0"/>
-              <a:t>6/15/2015</a:t>
+              <a:t>6/22/2015</a:t>
             </a:fld>
             <a:endParaRPr lang="en-US"/>
           </a:p>
@@ -1117,7 +1117,7 @@
           <a:p>
             <a:fld id="{D4ED0ADE-FFA8-4254-9D35-3A5A634A6955}" type="slidenum">
               <a:rPr lang="en-US" smtClean="0"/>
-              <a:t>‹#›</a:t>
+              <a:t>‹Nr.›</a:t>
             </a:fld>
             <a:endParaRPr lang="en-US"/>
           </a:p>
@@ -1245,7 +1245,7 @@
           <a:p>
             <a:fld id="{B5AD80BF-DA2F-4C08-95E5-203EBFB060C0}" type="datetimeFigureOut">
               <a:rPr lang="en-US" smtClean="0"/>
-              <a:t>6/15/2015</a:t>
+              <a:t>6/22/2015</a:t>
             </a:fld>
             <a:endParaRPr lang="en-US"/>
           </a:p>
@@ -1287,7 +1287,7 @@
           <a:p>
             <a:fld id="{D4ED0ADE-FFA8-4254-9D35-3A5A634A6955}" type="slidenum">
               <a:rPr lang="en-US" smtClean="0"/>
-              <a:t>‹#›</a:t>
+              <a:t>‹Nr.›</a:t>
             </a:fld>
             <a:endParaRPr lang="en-US"/>
           </a:p>
@@ -1491,7 +1491,7 @@
           <a:p>
             <a:fld id="{B5AD80BF-DA2F-4C08-95E5-203EBFB060C0}" type="datetimeFigureOut">
               <a:rPr lang="en-US" smtClean="0"/>
-              <a:t>6/15/2015</a:t>
+              <a:t>6/22/2015</a:t>
             </a:fld>
             <a:endParaRPr lang="en-US"/>
           </a:p>
@@ -1533,7 +1533,7 @@
           <a:p>
             <a:fld id="{D4ED0ADE-FFA8-4254-9D35-3A5A634A6955}" type="slidenum">
               <a:rPr lang="en-US" smtClean="0"/>
-              <a:t>‹#›</a:t>
+              <a:t>‹Nr.›</a:t>
             </a:fld>
             <a:endParaRPr lang="en-US"/>
           </a:p>
@@ -1779,7 +1779,7 @@
           <a:p>
             <a:fld id="{B5AD80BF-DA2F-4C08-95E5-203EBFB060C0}" type="datetimeFigureOut">
               <a:rPr lang="en-US" smtClean="0"/>
-              <a:t>6/15/2015</a:t>
+              <a:t>6/22/2015</a:t>
             </a:fld>
             <a:endParaRPr lang="en-US"/>
           </a:p>
@@ -1821,7 +1821,7 @@
           <a:p>
             <a:fld id="{D4ED0ADE-FFA8-4254-9D35-3A5A634A6955}" type="slidenum">
               <a:rPr lang="en-US" smtClean="0"/>
-              <a:t>‹#›</a:t>
+              <a:t>‹Nr.›</a:t>
             </a:fld>
             <a:endParaRPr lang="en-US"/>
           </a:p>
@@ -2206,7 +2206,7 @@
           <a:p>
             <a:fld id="{B5AD80BF-DA2F-4C08-95E5-203EBFB060C0}" type="datetimeFigureOut">
               <a:rPr lang="en-US" smtClean="0"/>
-              <a:t>6/15/2015</a:t>
+              <a:t>6/22/2015</a:t>
             </a:fld>
             <a:endParaRPr lang="en-US"/>
           </a:p>
@@ -2248,7 +2248,7 @@
           <a:p>
             <a:fld id="{D4ED0ADE-FFA8-4254-9D35-3A5A634A6955}" type="slidenum">
               <a:rPr lang="en-US" smtClean="0"/>
-              <a:t>‹#›</a:t>
+              <a:t>‹Nr.›</a:t>
             </a:fld>
             <a:endParaRPr lang="en-US"/>
           </a:p>
@@ -2324,7 +2324,7 @@
           <a:p>
             <a:fld id="{B5AD80BF-DA2F-4C08-95E5-203EBFB060C0}" type="datetimeFigureOut">
               <a:rPr lang="en-US" smtClean="0"/>
-              <a:t>6/15/2015</a:t>
+              <a:t>6/22/2015</a:t>
             </a:fld>
             <a:endParaRPr lang="en-US"/>
           </a:p>
@@ -2366,7 +2366,7 @@
           <a:p>
             <a:fld id="{D4ED0ADE-FFA8-4254-9D35-3A5A634A6955}" type="slidenum">
               <a:rPr lang="en-US" smtClean="0"/>
-              <a:t>‹#›</a:t>
+              <a:t>‹Nr.›</a:t>
             </a:fld>
             <a:endParaRPr lang="en-US"/>
           </a:p>
@@ -2419,7 +2419,7 @@
           <a:p>
             <a:fld id="{B5AD80BF-DA2F-4C08-95E5-203EBFB060C0}" type="datetimeFigureOut">
               <a:rPr lang="en-US" smtClean="0"/>
-              <a:t>6/15/2015</a:t>
+              <a:t>6/22/2015</a:t>
             </a:fld>
             <a:endParaRPr lang="en-US"/>
           </a:p>
@@ -2461,7 +2461,7 @@
           <a:p>
             <a:fld id="{D4ED0ADE-FFA8-4254-9D35-3A5A634A6955}" type="slidenum">
               <a:rPr lang="en-US" smtClean="0"/>
-              <a:t>‹#›</a:t>
+              <a:t>‹Nr.›</a:t>
             </a:fld>
             <a:endParaRPr lang="en-US"/>
           </a:p>
@@ -2696,7 +2696,7 @@
           <a:p>
             <a:fld id="{B5AD80BF-DA2F-4C08-95E5-203EBFB060C0}" type="datetimeFigureOut">
               <a:rPr lang="en-US" smtClean="0"/>
-              <a:t>6/15/2015</a:t>
+              <a:t>6/22/2015</a:t>
             </a:fld>
             <a:endParaRPr lang="en-US"/>
           </a:p>
@@ -2738,7 +2738,7 @@
           <a:p>
             <a:fld id="{D4ED0ADE-FFA8-4254-9D35-3A5A634A6955}" type="slidenum">
               <a:rPr lang="en-US" smtClean="0"/>
-              <a:t>‹#›</a:t>
+              <a:t>‹Nr.›</a:t>
             </a:fld>
             <a:endParaRPr lang="en-US"/>
           </a:p>
@@ -2949,7 +2949,7 @@
           <a:p>
             <a:fld id="{B5AD80BF-DA2F-4C08-95E5-203EBFB060C0}" type="datetimeFigureOut">
               <a:rPr lang="en-US" smtClean="0"/>
-              <a:t>6/15/2015</a:t>
+              <a:t>6/22/2015</a:t>
             </a:fld>
             <a:endParaRPr lang="en-US"/>
           </a:p>
@@ -2991,7 +2991,7 @@
           <a:p>
             <a:fld id="{D4ED0ADE-FFA8-4254-9D35-3A5A634A6955}" type="slidenum">
               <a:rPr lang="en-US" smtClean="0"/>
-              <a:t>‹#›</a:t>
+              <a:t>‹Nr.›</a:t>
             </a:fld>
             <a:endParaRPr lang="en-US"/>
           </a:p>
@@ -3162,7 +3162,7 @@
           <a:p>
             <a:fld id="{B5AD80BF-DA2F-4C08-95E5-203EBFB060C0}" type="datetimeFigureOut">
               <a:rPr lang="en-US" smtClean="0"/>
-              <a:t>6/15/2015</a:t>
+              <a:t>6/22/2015</a:t>
             </a:fld>
             <a:endParaRPr lang="en-US"/>
           </a:p>
@@ -3240,7 +3240,7 @@
           <a:p>
             <a:fld id="{D4ED0ADE-FFA8-4254-9D35-3A5A634A6955}" type="slidenum">
               <a:rPr lang="en-US" smtClean="0"/>
-              <a:t>‹#›</a:t>
+              <a:t>‹Nr.›</a:t>
             </a:fld>
             <a:endParaRPr lang="en-US"/>
           </a:p>
@@ -3769,7 +3769,7 @@
           <p:spPr>
             <a:xfrm>
               <a:off x="6277965" y="5139685"/>
-              <a:ext cx="2885787" cy="817599"/>
+              <a:ext cx="2885787" cy="769056"/>
             </a:xfrm>
             <a:prstGeom prst="rect">
               <a:avLst/>
@@ -3793,6 +3793,21 @@
             <a:lstStyle/>
             <a:p>
               <a:r>
+                <a:rPr lang="en-US" sz="4800" dirty="0" smtClean="0">
+                  <a:solidFill>
+                    <a:schemeClr val="bg1"/>
+                  </a:solidFill>
+                  <a:effectLst>
+                    <a:glow rad="101600">
+                      <a:schemeClr val="tx1">
+                        <a:alpha val="60000"/>
+                      </a:schemeClr>
+                    </a:glow>
+                  </a:effectLst>
+                </a:rPr>
+                <a:t>YZ </a:t>
+              </a:r>
+              <a:r>
                 <a:rPr lang="en-US" sz="4800" dirty="0">
                   <a:solidFill>
                     <a:schemeClr val="bg1"/>
@@ -3805,7 +3820,7 @@
                     </a:glow>
                   </a:effectLst>
                 </a:rPr>
-                <a:t>Y Z Plane</a:t>
+                <a:t>Plane</a:t>
               </a:r>
             </a:p>
           </p:txBody>
